--- a/졸프 UI ver1.1.pptx
+++ b/졸프 UI ver1.1.pptx
@@ -202,7 +202,7 @@
             <a:fld id="{DD23A932-4776-4146-8388-AC1F08BBB2E8}" type="datetimeFigureOut">
               <a:rPr lang="ko-KR" altLang="en-US" smtClean="0"/>
               <a:pPr/>
-              <a:t>2016-03-29</a:t>
+              <a:t>2016-03-30</a:t>
             </a:fld>
             <a:endParaRPr lang="ko-KR" altLang="en-US"/>
           </a:p>
@@ -371,6 +371,11 @@
         </p:txBody>
       </p:sp>
     </p:spTree>
+    <p:extLst>
+      <p:ext uri="{BB962C8B-B14F-4D97-AF65-F5344CB8AC3E}">
+        <p14:creationId xmlns:p14="http://schemas.microsoft.com/office/powerpoint/2010/main" val="3819631290"/>
+      </p:ext>
+    </p:extLst>
   </p:cSld>
   <p:clrMap bg1="lt1" tx1="dk1" bg2="lt2" tx2="dk2" accent1="accent1" accent2="accent2" accent3="accent3" accent4="accent4" accent5="accent5" accent6="accent6" hlink="hlink" folHlink="folHlink"/>
   <p:notesStyle>
@@ -656,7 +661,7 @@
             <a:fld id="{E2FEBAC9-2382-4A87-8587-4326FF2B7B9F}" type="datetime1">
               <a:rPr lang="ko-KR" altLang="en-US" smtClean="0"/>
               <a:pPr/>
-              <a:t>2016-03-29</a:t>
+              <a:t>2016-03-30</a:t>
             </a:fld>
             <a:endParaRPr lang="ko-KR" altLang="en-US"/>
           </a:p>
@@ -893,7 +898,7 @@
             <a:fld id="{F1733289-75A0-41D9-BD0C-7DF918E080DA}" type="datetime1">
               <a:rPr lang="ko-KR" altLang="en-US" smtClean="0"/>
               <a:pPr/>
-              <a:t>2016-03-29</a:t>
+              <a:t>2016-03-30</a:t>
             </a:fld>
             <a:endParaRPr lang="ko-KR" altLang="en-US"/>
           </a:p>
@@ -1080,7 +1085,7 @@
             <a:fld id="{06CA618F-597A-4EB4-9112-E515261E6CAC}" type="datetime1">
               <a:rPr lang="ko-KR" altLang="en-US" smtClean="0"/>
               <a:pPr/>
-              <a:t>2016-03-29</a:t>
+              <a:t>2016-03-30</a:t>
             </a:fld>
             <a:endParaRPr lang="ko-KR" altLang="en-US"/>
           </a:p>
@@ -1267,7 +1272,7 @@
             <a:fld id="{5E6B9148-7981-4FEF-9AD0-D2601AAD8C8F}" type="datetime1">
               <a:rPr lang="ko-KR" altLang="en-US" smtClean="0"/>
               <a:pPr/>
-              <a:t>2016-03-29</a:t>
+              <a:t>2016-03-30</a:t>
             </a:fld>
             <a:endParaRPr lang="ko-KR" altLang="en-US"/>
           </a:p>
@@ -1520,7 +1525,7 @@
             <a:fld id="{52E28A71-2254-4540-AC7C-CB16D64293CC}" type="datetime1">
               <a:rPr lang="ko-KR" altLang="en-US" smtClean="0"/>
               <a:pPr/>
-              <a:t>2016-03-29</a:t>
+              <a:t>2016-03-30</a:t>
             </a:fld>
             <a:endParaRPr lang="ko-KR" altLang="en-US"/>
           </a:p>
@@ -1823,7 +1828,7 @@
             <a:fld id="{241E58B5-91FB-40BF-9EC2-33E25AB1B861}" type="datetime1">
               <a:rPr lang="ko-KR" altLang="en-US" smtClean="0"/>
               <a:pPr/>
-              <a:t>2016-03-29</a:t>
+              <a:t>2016-03-30</a:t>
             </a:fld>
             <a:endParaRPr lang="ko-KR" altLang="en-US"/>
           </a:p>
@@ -2266,7 +2271,7 @@
             <a:fld id="{E99CFA76-FE39-40AD-9F6A-266CED40B61D}" type="datetime1">
               <a:rPr lang="ko-KR" altLang="en-US" smtClean="0"/>
               <a:pPr/>
-              <a:t>2016-03-29</a:t>
+              <a:t>2016-03-30</a:t>
             </a:fld>
             <a:endParaRPr lang="ko-KR" altLang="en-US"/>
           </a:p>
@@ -2393,7 +2398,7 @@
             <a:fld id="{33DCE98A-8565-4309-9836-EB557132F40F}" type="datetime1">
               <a:rPr lang="ko-KR" altLang="en-US" smtClean="0"/>
               <a:pPr/>
-              <a:t>2016-03-29</a:t>
+              <a:t>2016-03-30</a:t>
             </a:fld>
             <a:endParaRPr lang="ko-KR" altLang="en-US"/>
           </a:p>
@@ -2489,7 +2494,7 @@
             <a:fld id="{D7CC348B-772A-4F24-8E86-9C6A4542B24D}" type="datetime1">
               <a:rPr lang="ko-KR" altLang="en-US" smtClean="0"/>
               <a:pPr/>
-              <a:t>2016-03-29</a:t>
+              <a:t>2016-03-30</a:t>
             </a:fld>
             <a:endParaRPr lang="ko-KR" altLang="en-US"/>
           </a:p>
@@ -2776,7 +2781,7 @@
             <a:fld id="{932F22A4-2B38-42A1-B1F4-2BC45E8D1442}" type="datetime1">
               <a:rPr lang="ko-KR" altLang="en-US" smtClean="0"/>
               <a:pPr/>
-              <a:t>2016-03-29</a:t>
+              <a:t>2016-03-30</a:t>
             </a:fld>
             <a:endParaRPr lang="ko-KR" altLang="en-US"/>
           </a:p>
@@ -3039,7 +3044,7 @@
             <a:fld id="{2430C7DD-97DC-442E-A78A-637D9C535A32}" type="datetime1">
               <a:rPr lang="ko-KR" altLang="en-US" smtClean="0"/>
               <a:pPr/>
-              <a:t>2016-03-29</a:t>
+              <a:t>2016-03-30</a:t>
             </a:fld>
             <a:endParaRPr lang="ko-KR" altLang="en-US"/>
           </a:p>
@@ -3158,7 +3163,7 @@
             <a:fld id="{FBF9B95A-FC61-44A2-9D85-B16DB88DBBBA}" type="datetime1">
               <a:rPr lang="ko-KR" altLang="en-US" smtClean="0"/>
               <a:pPr/>
-              <a:t>2016-03-29</a:t>
+              <a:t>2016-03-30</a:t>
             </a:fld>
             <a:endParaRPr lang="ko-KR" altLang="en-US"/>
           </a:p>
@@ -3247,2077 +3252,6 @@
           </a:p>
         </p:txBody>
       </p:sp>
-      <p:sp>
-        <p:nvSpPr>
-          <p:cNvPr id="7" name="직사각형 6"/>
-          <p:cNvSpPr/>
-          <p:nvPr userDrawn="1"/>
-        </p:nvSpPr>
-        <p:spPr>
-          <a:xfrm>
-            <a:off x="0" y="19850"/>
-            <a:ext cx="9144000" cy="6838150"/>
-          </a:xfrm>
-          <a:prstGeom prst="rect">
-            <a:avLst/>
-          </a:prstGeom>
-          <a:solidFill>
-            <a:srgbClr val="FAFFBC"/>
-          </a:solidFill>
-          <a:ln>
-            <a:noFill/>
-          </a:ln>
-        </p:spPr>
-        <p:style>
-          <a:lnRef idx="2">
-            <a:schemeClr val="accent1">
-              <a:shade val="50000"/>
-            </a:schemeClr>
-          </a:lnRef>
-          <a:fillRef idx="1">
-            <a:schemeClr val="accent1"/>
-          </a:fillRef>
-          <a:effectRef idx="0">
-            <a:schemeClr val="accent1"/>
-          </a:effectRef>
-          <a:fontRef idx="minor">
-            <a:schemeClr val="lt1"/>
-          </a:fontRef>
-        </p:style>
-        <p:txBody>
-          <a:bodyPr rtlCol="0" anchor="ctr"/>
-          <a:lstStyle/>
-          <a:p>
-            <a:pPr algn="ctr"/>
-            <a:endParaRPr lang="ko-KR" altLang="en-US">
-              <a:solidFill>
-                <a:srgbClr val="FFFF00"/>
-              </a:solidFill>
-            </a:endParaRPr>
-          </a:p>
-        </p:txBody>
-      </p:sp>
-      <p:grpSp>
-        <p:nvGrpSpPr>
-          <p:cNvPr id="8" name="그룹 7"/>
-          <p:cNvGrpSpPr/>
-          <p:nvPr userDrawn="1"/>
-        </p:nvGrpSpPr>
-        <p:grpSpPr>
-          <a:xfrm>
-            <a:off x="179512" y="6165304"/>
-            <a:ext cx="1800200" cy="584655"/>
-            <a:chOff x="2047875" y="1388251"/>
-            <a:chExt cx="7182053" cy="3397821"/>
-          </a:xfrm>
-        </p:grpSpPr>
-        <p:grpSp>
-          <p:nvGrpSpPr>
-            <p:cNvPr id="9" name="그룹 8"/>
-            <p:cNvGrpSpPr/>
-            <p:nvPr/>
-          </p:nvGrpSpPr>
-          <p:grpSpPr>
-            <a:xfrm>
-              <a:off x="5364088" y="1388251"/>
-              <a:ext cx="3865840" cy="3397821"/>
-              <a:chOff x="5301220" y="1653731"/>
-              <a:chExt cx="2439535" cy="2144192"/>
-            </a:xfrm>
-          </p:grpSpPr>
-          <p:grpSp>
-            <p:nvGrpSpPr>
-              <p:cNvPr id="11" name="그룹 10"/>
-              <p:cNvGrpSpPr/>
-              <p:nvPr/>
-            </p:nvGrpSpPr>
-            <p:grpSpPr>
-              <a:xfrm>
-                <a:off x="5301220" y="1887960"/>
-                <a:ext cx="1883487" cy="1909963"/>
-                <a:chOff x="5220072" y="404664"/>
-                <a:chExt cx="2160240" cy="2190606"/>
-              </a:xfrm>
-            </p:grpSpPr>
-            <p:sp>
-              <p:nvSpPr>
-                <p:cNvPr id="13" name="타원 12"/>
-                <p:cNvSpPr/>
-                <p:nvPr/>
-              </p:nvSpPr>
-              <p:spPr>
-                <a:xfrm>
-                  <a:off x="5220072" y="404664"/>
-                  <a:ext cx="2160240" cy="2160240"/>
-                </a:xfrm>
-                <a:prstGeom prst="ellipse">
-                  <a:avLst/>
-                </a:prstGeom>
-                <a:solidFill>
-                  <a:schemeClr val="bg1"/>
-                </a:solidFill>
-                <a:ln>
-                  <a:solidFill>
-                    <a:srgbClr val="FFE79B"/>
-                  </a:solidFill>
-                </a:ln>
-              </p:spPr>
-              <p:style>
-                <a:lnRef idx="3">
-                  <a:schemeClr val="lt1"/>
-                </a:lnRef>
-                <a:fillRef idx="1">
-                  <a:schemeClr val="accent6"/>
-                </a:fillRef>
-                <a:effectRef idx="1">
-                  <a:schemeClr val="accent6"/>
-                </a:effectRef>
-                <a:fontRef idx="minor">
-                  <a:schemeClr val="lt1"/>
-                </a:fontRef>
-              </p:style>
-              <p:txBody>
-                <a:bodyPr rtlCol="0" anchor="ctr"/>
-                <a:lstStyle/>
-                <a:p>
-                  <a:pPr algn="ctr"/>
-                  <a:endParaRPr lang="ko-KR" altLang="en-US"/>
-                </a:p>
-              </p:txBody>
-            </p:sp>
-            <p:grpSp>
-              <p:nvGrpSpPr>
-                <p:cNvPr id="14" name="그룹 13"/>
-                <p:cNvGrpSpPr/>
-                <p:nvPr/>
-              </p:nvGrpSpPr>
-              <p:grpSpPr>
-                <a:xfrm>
-                  <a:off x="5305127" y="439317"/>
-                  <a:ext cx="1982098" cy="2155953"/>
-                  <a:chOff x="5305127" y="439317"/>
-                  <a:chExt cx="1982098" cy="2155953"/>
-                </a:xfrm>
-                <a:solidFill>
-                  <a:srgbClr val="FFE79B"/>
-                </a:solidFill>
-              </p:grpSpPr>
-              <p:sp>
-                <p:nvSpPr>
-                  <p:cNvPr id="15" name="눈물 방울 10"/>
-                  <p:cNvSpPr/>
-                  <p:nvPr/>
-                </p:nvSpPr>
-                <p:spPr>
-                  <a:xfrm rot="15940370">
-                    <a:off x="6416338" y="1527570"/>
-                    <a:ext cx="722616" cy="723461"/>
-                  </a:xfrm>
-                  <a:custGeom>
-                    <a:avLst/>
-                    <a:gdLst>
-                      <a:gd name="connsiteX0" fmla="*/ 0 w 764382"/>
-                      <a:gd name="connsiteY0" fmla="*/ 382191 h 764382"/>
-                      <a:gd name="connsiteX1" fmla="*/ 382191 w 764382"/>
-                      <a:gd name="connsiteY1" fmla="*/ 0 h 764382"/>
-                      <a:gd name="connsiteX2" fmla="*/ 764382 w 764382"/>
-                      <a:gd name="connsiteY2" fmla="*/ 0 h 764382"/>
-                      <a:gd name="connsiteX3" fmla="*/ 764382 w 764382"/>
-                      <a:gd name="connsiteY3" fmla="*/ 382191 h 764382"/>
-                      <a:gd name="connsiteX4" fmla="*/ 382191 w 764382"/>
-                      <a:gd name="connsiteY4" fmla="*/ 764382 h 764382"/>
-                      <a:gd name="connsiteX5" fmla="*/ 0 w 764382"/>
-                      <a:gd name="connsiteY5" fmla="*/ 382191 h 764382"/>
-                      <a:gd name="connsiteX0" fmla="*/ 0 w 764382"/>
-                      <a:gd name="connsiteY0" fmla="*/ 382191 h 764382"/>
-                      <a:gd name="connsiteX1" fmla="*/ 383832 w 764382"/>
-                      <a:gd name="connsiteY1" fmla="*/ 39884 h 764382"/>
-                      <a:gd name="connsiteX2" fmla="*/ 764382 w 764382"/>
-                      <a:gd name="connsiteY2" fmla="*/ 0 h 764382"/>
-                      <a:gd name="connsiteX3" fmla="*/ 764382 w 764382"/>
-                      <a:gd name="connsiteY3" fmla="*/ 382191 h 764382"/>
-                      <a:gd name="connsiteX4" fmla="*/ 382191 w 764382"/>
-                      <a:gd name="connsiteY4" fmla="*/ 764382 h 764382"/>
-                      <a:gd name="connsiteX5" fmla="*/ 0 w 764382"/>
-                      <a:gd name="connsiteY5" fmla="*/ 382191 h 764382"/>
-                      <a:gd name="connsiteX0" fmla="*/ 0 w 764382"/>
-                      <a:gd name="connsiteY0" fmla="*/ 382191 h 764777"/>
-                      <a:gd name="connsiteX1" fmla="*/ 383832 w 764382"/>
-                      <a:gd name="connsiteY1" fmla="*/ 39884 h 764777"/>
-                      <a:gd name="connsiteX2" fmla="*/ 764382 w 764382"/>
-                      <a:gd name="connsiteY2" fmla="*/ 0 h 764777"/>
-                      <a:gd name="connsiteX3" fmla="*/ 702654 w 764382"/>
-                      <a:gd name="connsiteY3" fmla="*/ 308950 h 764777"/>
-                      <a:gd name="connsiteX4" fmla="*/ 382191 w 764382"/>
-                      <a:gd name="connsiteY4" fmla="*/ 764382 h 764777"/>
-                      <a:gd name="connsiteX5" fmla="*/ 0 w 764382"/>
-                      <a:gd name="connsiteY5" fmla="*/ 382191 h 764777"/>
-                      <a:gd name="connsiteX0" fmla="*/ 10926 w 775308"/>
-                      <a:gd name="connsiteY0" fmla="*/ 382191 h 764907"/>
-                      <a:gd name="connsiteX1" fmla="*/ 394758 w 775308"/>
-                      <a:gd name="connsiteY1" fmla="*/ 39884 h 764907"/>
-                      <a:gd name="connsiteX2" fmla="*/ 775308 w 775308"/>
-                      <a:gd name="connsiteY2" fmla="*/ 0 h 764907"/>
-                      <a:gd name="connsiteX3" fmla="*/ 713580 w 775308"/>
-                      <a:gd name="connsiteY3" fmla="*/ 308950 h 764907"/>
-                      <a:gd name="connsiteX4" fmla="*/ 393117 w 775308"/>
-                      <a:gd name="connsiteY4" fmla="*/ 764382 h 764907"/>
-                      <a:gd name="connsiteX5" fmla="*/ 10926 w 775308"/>
-                      <a:gd name="connsiteY5" fmla="*/ 382191 h 764907"/>
-                      <a:gd name="connsiteX0" fmla="*/ 6265 w 770647"/>
-                      <a:gd name="connsiteY0" fmla="*/ 382191 h 764940"/>
-                      <a:gd name="connsiteX1" fmla="*/ 390097 w 770647"/>
-                      <a:gd name="connsiteY1" fmla="*/ 39884 h 764940"/>
-                      <a:gd name="connsiteX2" fmla="*/ 770647 w 770647"/>
-                      <a:gd name="connsiteY2" fmla="*/ 0 h 764940"/>
-                      <a:gd name="connsiteX3" fmla="*/ 708919 w 770647"/>
-                      <a:gd name="connsiteY3" fmla="*/ 308950 h 764940"/>
-                      <a:gd name="connsiteX4" fmla="*/ 388456 w 770647"/>
-                      <a:gd name="connsiteY4" fmla="*/ 764382 h 764940"/>
-                      <a:gd name="connsiteX5" fmla="*/ 6265 w 770647"/>
-                      <a:gd name="connsiteY5" fmla="*/ 382191 h 764940"/>
-                      <a:gd name="connsiteX0" fmla="*/ 7560 w 771942"/>
-                      <a:gd name="connsiteY0" fmla="*/ 382191 h 778955"/>
-                      <a:gd name="connsiteX1" fmla="*/ 391392 w 771942"/>
-                      <a:gd name="connsiteY1" fmla="*/ 39884 h 778955"/>
-                      <a:gd name="connsiteX2" fmla="*/ 771942 w 771942"/>
-                      <a:gd name="connsiteY2" fmla="*/ 0 h 778955"/>
-                      <a:gd name="connsiteX3" fmla="*/ 710214 w 771942"/>
-                      <a:gd name="connsiteY3" fmla="*/ 308950 h 778955"/>
-                      <a:gd name="connsiteX4" fmla="*/ 389751 w 771942"/>
-                      <a:gd name="connsiteY4" fmla="*/ 764382 h 778955"/>
-                      <a:gd name="connsiteX5" fmla="*/ 7560 w 771942"/>
-                      <a:gd name="connsiteY5" fmla="*/ 382191 h 778955"/>
-                      <a:gd name="connsiteX0" fmla="*/ 25189 w 789571"/>
-                      <a:gd name="connsiteY0" fmla="*/ 382191 h 779411"/>
-                      <a:gd name="connsiteX1" fmla="*/ 409021 w 789571"/>
-                      <a:gd name="connsiteY1" fmla="*/ 39884 h 779411"/>
-                      <a:gd name="connsiteX2" fmla="*/ 789571 w 789571"/>
-                      <a:gd name="connsiteY2" fmla="*/ 0 h 779411"/>
-                      <a:gd name="connsiteX3" fmla="*/ 727843 w 789571"/>
-                      <a:gd name="connsiteY3" fmla="*/ 308950 h 779411"/>
-                      <a:gd name="connsiteX4" fmla="*/ 407380 w 789571"/>
-                      <a:gd name="connsiteY4" fmla="*/ 764382 h 779411"/>
-                      <a:gd name="connsiteX5" fmla="*/ 25189 w 789571"/>
-                      <a:gd name="connsiteY5" fmla="*/ 382191 h 779411"/>
-                      <a:gd name="connsiteX0" fmla="*/ 2 w 764384"/>
-                      <a:gd name="connsiteY0" fmla="*/ 382191 h 775940"/>
-                      <a:gd name="connsiteX1" fmla="*/ 386255 w 764384"/>
-                      <a:gd name="connsiteY1" fmla="*/ 67650 h 775940"/>
-                      <a:gd name="connsiteX2" fmla="*/ 764384 w 764384"/>
-                      <a:gd name="connsiteY2" fmla="*/ 0 h 775940"/>
-                      <a:gd name="connsiteX3" fmla="*/ 702656 w 764384"/>
-                      <a:gd name="connsiteY3" fmla="*/ 308950 h 775940"/>
-                      <a:gd name="connsiteX4" fmla="*/ 382193 w 764384"/>
-                      <a:gd name="connsiteY4" fmla="*/ 764382 h 775940"/>
-                      <a:gd name="connsiteX5" fmla="*/ 2 w 764384"/>
-                      <a:gd name="connsiteY5" fmla="*/ 382191 h 775940"/>
-                      <a:gd name="connsiteX0" fmla="*/ 2 w 764384"/>
-                      <a:gd name="connsiteY0" fmla="*/ 382191 h 775940"/>
-                      <a:gd name="connsiteX1" fmla="*/ 386255 w 764384"/>
-                      <a:gd name="connsiteY1" fmla="*/ 67650 h 775940"/>
-                      <a:gd name="connsiteX2" fmla="*/ 764384 w 764384"/>
-                      <a:gd name="connsiteY2" fmla="*/ 0 h 775940"/>
-                      <a:gd name="connsiteX3" fmla="*/ 702656 w 764384"/>
-                      <a:gd name="connsiteY3" fmla="*/ 308950 h 775940"/>
-                      <a:gd name="connsiteX4" fmla="*/ 382193 w 764384"/>
-                      <a:gd name="connsiteY4" fmla="*/ 764382 h 775940"/>
-                      <a:gd name="connsiteX5" fmla="*/ 2 w 764384"/>
-                      <a:gd name="connsiteY5" fmla="*/ 382191 h 775940"/>
-                      <a:gd name="connsiteX0" fmla="*/ 2 w 764384"/>
-                      <a:gd name="connsiteY0" fmla="*/ 382191 h 765243"/>
-                      <a:gd name="connsiteX1" fmla="*/ 386255 w 764384"/>
-                      <a:gd name="connsiteY1" fmla="*/ 67650 h 765243"/>
-                      <a:gd name="connsiteX2" fmla="*/ 764384 w 764384"/>
-                      <a:gd name="connsiteY2" fmla="*/ 0 h 765243"/>
-                      <a:gd name="connsiteX3" fmla="*/ 653617 w 764384"/>
-                      <a:gd name="connsiteY3" fmla="*/ 271157 h 765243"/>
-                      <a:gd name="connsiteX4" fmla="*/ 382193 w 764384"/>
-                      <a:gd name="connsiteY4" fmla="*/ 764382 h 765243"/>
-                      <a:gd name="connsiteX5" fmla="*/ 2 w 764384"/>
-                      <a:gd name="connsiteY5" fmla="*/ 382191 h 765243"/>
-                      <a:gd name="connsiteX0" fmla="*/ 2 w 764384"/>
-                      <a:gd name="connsiteY0" fmla="*/ 382191 h 765243"/>
-                      <a:gd name="connsiteX1" fmla="*/ 386255 w 764384"/>
-                      <a:gd name="connsiteY1" fmla="*/ 67650 h 765243"/>
-                      <a:gd name="connsiteX2" fmla="*/ 764384 w 764384"/>
-                      <a:gd name="connsiteY2" fmla="*/ 0 h 765243"/>
-                      <a:gd name="connsiteX3" fmla="*/ 653617 w 764384"/>
-                      <a:gd name="connsiteY3" fmla="*/ 271157 h 765243"/>
-                      <a:gd name="connsiteX4" fmla="*/ 382193 w 764384"/>
-                      <a:gd name="connsiteY4" fmla="*/ 764382 h 765243"/>
-                      <a:gd name="connsiteX5" fmla="*/ 2 w 764384"/>
-                      <a:gd name="connsiteY5" fmla="*/ 382191 h 765243"/>
-                      <a:gd name="connsiteX0" fmla="*/ 2 w 764384"/>
-                      <a:gd name="connsiteY0" fmla="*/ 382191 h 764653"/>
-                      <a:gd name="connsiteX1" fmla="*/ 386255 w 764384"/>
-                      <a:gd name="connsiteY1" fmla="*/ 67650 h 764653"/>
-                      <a:gd name="connsiteX2" fmla="*/ 764384 w 764384"/>
-                      <a:gd name="connsiteY2" fmla="*/ 0 h 764653"/>
-                      <a:gd name="connsiteX3" fmla="*/ 684542 w 764384"/>
-                      <a:gd name="connsiteY3" fmla="*/ 321352 h 764653"/>
-                      <a:gd name="connsiteX4" fmla="*/ 382193 w 764384"/>
-                      <a:gd name="connsiteY4" fmla="*/ 764382 h 764653"/>
-                      <a:gd name="connsiteX5" fmla="*/ 2 w 764384"/>
-                      <a:gd name="connsiteY5" fmla="*/ 382191 h 764653"/>
-                      <a:gd name="connsiteX0" fmla="*/ 1 w 835654"/>
-                      <a:gd name="connsiteY0" fmla="*/ 464170 h 766262"/>
-                      <a:gd name="connsiteX1" fmla="*/ 457525 w 835654"/>
-                      <a:gd name="connsiteY1" fmla="*/ 67650 h 766262"/>
-                      <a:gd name="connsiteX2" fmla="*/ 835654 w 835654"/>
-                      <a:gd name="connsiteY2" fmla="*/ 0 h 766262"/>
-                      <a:gd name="connsiteX3" fmla="*/ 755812 w 835654"/>
-                      <a:gd name="connsiteY3" fmla="*/ 321352 h 766262"/>
-                      <a:gd name="connsiteX4" fmla="*/ 453463 w 835654"/>
-                      <a:gd name="connsiteY4" fmla="*/ 764382 h 766262"/>
-                      <a:gd name="connsiteX5" fmla="*/ 1 w 835654"/>
-                      <a:gd name="connsiteY5" fmla="*/ 464170 h 766262"/>
-                      <a:gd name="connsiteX0" fmla="*/ 204 w 835857"/>
-                      <a:gd name="connsiteY0" fmla="*/ 464170 h 794707"/>
-                      <a:gd name="connsiteX1" fmla="*/ 457728 w 835857"/>
-                      <a:gd name="connsiteY1" fmla="*/ 67650 h 794707"/>
-                      <a:gd name="connsiteX2" fmla="*/ 835857 w 835857"/>
-                      <a:gd name="connsiteY2" fmla="*/ 0 h 794707"/>
-                      <a:gd name="connsiteX3" fmla="*/ 756015 w 835857"/>
-                      <a:gd name="connsiteY3" fmla="*/ 321352 h 794707"/>
-                      <a:gd name="connsiteX4" fmla="*/ 404086 w 835857"/>
-                      <a:gd name="connsiteY4" fmla="*/ 793006 h 794707"/>
-                      <a:gd name="connsiteX5" fmla="*/ 204 w 835857"/>
-                      <a:gd name="connsiteY5" fmla="*/ 464170 h 794707"/>
-                      <a:gd name="connsiteX0" fmla="*/ 204 w 835857"/>
-                      <a:gd name="connsiteY0" fmla="*/ 464170 h 794707"/>
-                      <a:gd name="connsiteX1" fmla="*/ 457728 w 835857"/>
-                      <a:gd name="connsiteY1" fmla="*/ 67650 h 794707"/>
-                      <a:gd name="connsiteX2" fmla="*/ 835857 w 835857"/>
-                      <a:gd name="connsiteY2" fmla="*/ 0 h 794707"/>
-                      <a:gd name="connsiteX3" fmla="*/ 756015 w 835857"/>
-                      <a:gd name="connsiteY3" fmla="*/ 321352 h 794707"/>
-                      <a:gd name="connsiteX4" fmla="*/ 404086 w 835857"/>
-                      <a:gd name="connsiteY4" fmla="*/ 793006 h 794707"/>
-                      <a:gd name="connsiteX5" fmla="*/ 204 w 835857"/>
-                      <a:gd name="connsiteY5" fmla="*/ 464170 h 794707"/>
-                      <a:gd name="connsiteX0" fmla="*/ 204 w 835857"/>
-                      <a:gd name="connsiteY0" fmla="*/ 464170 h 794707"/>
-                      <a:gd name="connsiteX1" fmla="*/ 457728 w 835857"/>
-                      <a:gd name="connsiteY1" fmla="*/ 67650 h 794707"/>
-                      <a:gd name="connsiteX2" fmla="*/ 835857 w 835857"/>
-                      <a:gd name="connsiteY2" fmla="*/ 0 h 794707"/>
-                      <a:gd name="connsiteX3" fmla="*/ 756015 w 835857"/>
-                      <a:gd name="connsiteY3" fmla="*/ 321352 h 794707"/>
-                      <a:gd name="connsiteX4" fmla="*/ 404086 w 835857"/>
-                      <a:gd name="connsiteY4" fmla="*/ 793006 h 794707"/>
-                      <a:gd name="connsiteX5" fmla="*/ 204 w 835857"/>
-                      <a:gd name="connsiteY5" fmla="*/ 464170 h 794707"/>
-                      <a:gd name="connsiteX0" fmla="*/ 204 w 835857"/>
-                      <a:gd name="connsiteY0" fmla="*/ 464170 h 794707"/>
-                      <a:gd name="connsiteX1" fmla="*/ 457728 w 835857"/>
-                      <a:gd name="connsiteY1" fmla="*/ 67650 h 794707"/>
-                      <a:gd name="connsiteX2" fmla="*/ 835857 w 835857"/>
-                      <a:gd name="connsiteY2" fmla="*/ 0 h 794707"/>
-                      <a:gd name="connsiteX3" fmla="*/ 756015 w 835857"/>
-                      <a:gd name="connsiteY3" fmla="*/ 321352 h 794707"/>
-                      <a:gd name="connsiteX4" fmla="*/ 404086 w 835857"/>
-                      <a:gd name="connsiteY4" fmla="*/ 793006 h 794707"/>
-                      <a:gd name="connsiteX5" fmla="*/ 204 w 835857"/>
-                      <a:gd name="connsiteY5" fmla="*/ 464170 h 794707"/>
-                    </a:gdLst>
-                    <a:ahLst/>
-                    <a:cxnLst>
-                      <a:cxn ang="0">
-                        <a:pos x="connsiteX0" y="connsiteY0"/>
-                      </a:cxn>
-                      <a:cxn ang="0">
-                        <a:pos x="connsiteX1" y="connsiteY1"/>
-                      </a:cxn>
-                      <a:cxn ang="0">
-                        <a:pos x="connsiteX2" y="connsiteY2"/>
-                      </a:cxn>
-                      <a:cxn ang="0">
-                        <a:pos x="connsiteX3" y="connsiteY3"/>
-                      </a:cxn>
-                      <a:cxn ang="0">
-                        <a:pos x="connsiteX4" y="connsiteY4"/>
-                      </a:cxn>
-                      <a:cxn ang="0">
-                        <a:pos x="connsiteX5" y="connsiteY5"/>
-                      </a:cxn>
-                    </a:cxnLst>
-                    <a:rect l="l" t="t" r="r" b="b"/>
-                    <a:pathLst>
-                      <a:path w="835857" h="794707">
-                        <a:moveTo>
-                          <a:pt x="204" y="464170"/>
-                        </a:moveTo>
-                        <a:cubicBezTo>
-                          <a:pt x="9144" y="343277"/>
-                          <a:pt x="185241" y="112826"/>
-                          <a:pt x="457728" y="67650"/>
-                        </a:cubicBezTo>
-                        <a:lnTo>
-                          <a:pt x="835857" y="0"/>
-                        </a:lnTo>
-                        <a:cubicBezTo>
-                          <a:pt x="809243" y="107117"/>
-                          <a:pt x="803750" y="126214"/>
-                          <a:pt x="756015" y="321352"/>
-                        </a:cubicBezTo>
-                        <a:cubicBezTo>
-                          <a:pt x="674234" y="552424"/>
-                          <a:pt x="530055" y="769203"/>
-                          <a:pt x="404086" y="793006"/>
-                        </a:cubicBezTo>
-                        <a:cubicBezTo>
-                          <a:pt x="278117" y="816809"/>
-                          <a:pt x="-8736" y="585063"/>
-                          <a:pt x="204" y="464170"/>
-                        </a:cubicBezTo>
-                        <a:close/>
-                      </a:path>
-                    </a:pathLst>
-                  </a:custGeom>
-                  <a:grpFill/>
-                  <a:ln>
-                    <a:solidFill>
-                      <a:schemeClr val="bg1"/>
-                    </a:solidFill>
-                  </a:ln>
-                </p:spPr>
-                <p:style>
-                  <a:lnRef idx="2">
-                    <a:schemeClr val="accent1">
-                      <a:shade val="50000"/>
-                    </a:schemeClr>
-                  </a:lnRef>
-                  <a:fillRef idx="1">
-                    <a:schemeClr val="accent1"/>
-                  </a:fillRef>
-                  <a:effectRef idx="0">
-                    <a:schemeClr val="accent1"/>
-                  </a:effectRef>
-                  <a:fontRef idx="minor">
-                    <a:schemeClr val="lt1"/>
-                  </a:fontRef>
-                </p:style>
-                <p:txBody>
-                  <a:bodyPr rtlCol="0" anchor="ctr"/>
-                  <a:lstStyle/>
-                  <a:p>
-                    <a:pPr algn="ctr"/>
-                    <a:endParaRPr lang="ko-KR" altLang="en-US"/>
-                  </a:p>
-                </p:txBody>
-              </p:sp>
-              <p:sp>
-                <p:nvSpPr>
-                  <p:cNvPr id="16" name="눈물 방울 10"/>
-                  <p:cNvSpPr/>
-                  <p:nvPr/>
-                </p:nvSpPr>
-                <p:spPr>
-                  <a:xfrm rot="679796">
-                    <a:off x="5399042" y="1524479"/>
-                    <a:ext cx="711527" cy="840692"/>
-                  </a:xfrm>
-                  <a:custGeom>
-                    <a:avLst/>
-                    <a:gdLst>
-                      <a:gd name="connsiteX0" fmla="*/ 0 w 764382"/>
-                      <a:gd name="connsiteY0" fmla="*/ 382191 h 764382"/>
-                      <a:gd name="connsiteX1" fmla="*/ 382191 w 764382"/>
-                      <a:gd name="connsiteY1" fmla="*/ 0 h 764382"/>
-                      <a:gd name="connsiteX2" fmla="*/ 764382 w 764382"/>
-                      <a:gd name="connsiteY2" fmla="*/ 0 h 764382"/>
-                      <a:gd name="connsiteX3" fmla="*/ 764382 w 764382"/>
-                      <a:gd name="connsiteY3" fmla="*/ 382191 h 764382"/>
-                      <a:gd name="connsiteX4" fmla="*/ 382191 w 764382"/>
-                      <a:gd name="connsiteY4" fmla="*/ 764382 h 764382"/>
-                      <a:gd name="connsiteX5" fmla="*/ 0 w 764382"/>
-                      <a:gd name="connsiteY5" fmla="*/ 382191 h 764382"/>
-                      <a:gd name="connsiteX0" fmla="*/ 0 w 764382"/>
-                      <a:gd name="connsiteY0" fmla="*/ 382191 h 764382"/>
-                      <a:gd name="connsiteX1" fmla="*/ 383832 w 764382"/>
-                      <a:gd name="connsiteY1" fmla="*/ 39884 h 764382"/>
-                      <a:gd name="connsiteX2" fmla="*/ 764382 w 764382"/>
-                      <a:gd name="connsiteY2" fmla="*/ 0 h 764382"/>
-                      <a:gd name="connsiteX3" fmla="*/ 764382 w 764382"/>
-                      <a:gd name="connsiteY3" fmla="*/ 382191 h 764382"/>
-                      <a:gd name="connsiteX4" fmla="*/ 382191 w 764382"/>
-                      <a:gd name="connsiteY4" fmla="*/ 764382 h 764382"/>
-                      <a:gd name="connsiteX5" fmla="*/ 0 w 764382"/>
-                      <a:gd name="connsiteY5" fmla="*/ 382191 h 764382"/>
-                      <a:gd name="connsiteX0" fmla="*/ 0 w 764382"/>
-                      <a:gd name="connsiteY0" fmla="*/ 382191 h 764777"/>
-                      <a:gd name="connsiteX1" fmla="*/ 383832 w 764382"/>
-                      <a:gd name="connsiteY1" fmla="*/ 39884 h 764777"/>
-                      <a:gd name="connsiteX2" fmla="*/ 764382 w 764382"/>
-                      <a:gd name="connsiteY2" fmla="*/ 0 h 764777"/>
-                      <a:gd name="connsiteX3" fmla="*/ 702654 w 764382"/>
-                      <a:gd name="connsiteY3" fmla="*/ 308950 h 764777"/>
-                      <a:gd name="connsiteX4" fmla="*/ 382191 w 764382"/>
-                      <a:gd name="connsiteY4" fmla="*/ 764382 h 764777"/>
-                      <a:gd name="connsiteX5" fmla="*/ 0 w 764382"/>
-                      <a:gd name="connsiteY5" fmla="*/ 382191 h 764777"/>
-                      <a:gd name="connsiteX0" fmla="*/ 10926 w 775308"/>
-                      <a:gd name="connsiteY0" fmla="*/ 382191 h 764907"/>
-                      <a:gd name="connsiteX1" fmla="*/ 394758 w 775308"/>
-                      <a:gd name="connsiteY1" fmla="*/ 39884 h 764907"/>
-                      <a:gd name="connsiteX2" fmla="*/ 775308 w 775308"/>
-                      <a:gd name="connsiteY2" fmla="*/ 0 h 764907"/>
-                      <a:gd name="connsiteX3" fmla="*/ 713580 w 775308"/>
-                      <a:gd name="connsiteY3" fmla="*/ 308950 h 764907"/>
-                      <a:gd name="connsiteX4" fmla="*/ 393117 w 775308"/>
-                      <a:gd name="connsiteY4" fmla="*/ 764382 h 764907"/>
-                      <a:gd name="connsiteX5" fmla="*/ 10926 w 775308"/>
-                      <a:gd name="connsiteY5" fmla="*/ 382191 h 764907"/>
-                      <a:gd name="connsiteX0" fmla="*/ 6265 w 770647"/>
-                      <a:gd name="connsiteY0" fmla="*/ 382191 h 764940"/>
-                      <a:gd name="connsiteX1" fmla="*/ 390097 w 770647"/>
-                      <a:gd name="connsiteY1" fmla="*/ 39884 h 764940"/>
-                      <a:gd name="connsiteX2" fmla="*/ 770647 w 770647"/>
-                      <a:gd name="connsiteY2" fmla="*/ 0 h 764940"/>
-                      <a:gd name="connsiteX3" fmla="*/ 708919 w 770647"/>
-                      <a:gd name="connsiteY3" fmla="*/ 308950 h 764940"/>
-                      <a:gd name="connsiteX4" fmla="*/ 388456 w 770647"/>
-                      <a:gd name="connsiteY4" fmla="*/ 764382 h 764940"/>
-                      <a:gd name="connsiteX5" fmla="*/ 6265 w 770647"/>
-                      <a:gd name="connsiteY5" fmla="*/ 382191 h 764940"/>
-                      <a:gd name="connsiteX0" fmla="*/ 7560 w 771942"/>
-                      <a:gd name="connsiteY0" fmla="*/ 382191 h 778955"/>
-                      <a:gd name="connsiteX1" fmla="*/ 391392 w 771942"/>
-                      <a:gd name="connsiteY1" fmla="*/ 39884 h 778955"/>
-                      <a:gd name="connsiteX2" fmla="*/ 771942 w 771942"/>
-                      <a:gd name="connsiteY2" fmla="*/ 0 h 778955"/>
-                      <a:gd name="connsiteX3" fmla="*/ 710214 w 771942"/>
-                      <a:gd name="connsiteY3" fmla="*/ 308950 h 778955"/>
-                      <a:gd name="connsiteX4" fmla="*/ 389751 w 771942"/>
-                      <a:gd name="connsiteY4" fmla="*/ 764382 h 778955"/>
-                      <a:gd name="connsiteX5" fmla="*/ 7560 w 771942"/>
-                      <a:gd name="connsiteY5" fmla="*/ 382191 h 778955"/>
-                      <a:gd name="connsiteX0" fmla="*/ 25189 w 789571"/>
-                      <a:gd name="connsiteY0" fmla="*/ 382191 h 779411"/>
-                      <a:gd name="connsiteX1" fmla="*/ 409021 w 789571"/>
-                      <a:gd name="connsiteY1" fmla="*/ 39884 h 779411"/>
-                      <a:gd name="connsiteX2" fmla="*/ 789571 w 789571"/>
-                      <a:gd name="connsiteY2" fmla="*/ 0 h 779411"/>
-                      <a:gd name="connsiteX3" fmla="*/ 727843 w 789571"/>
-                      <a:gd name="connsiteY3" fmla="*/ 308950 h 779411"/>
-                      <a:gd name="connsiteX4" fmla="*/ 407380 w 789571"/>
-                      <a:gd name="connsiteY4" fmla="*/ 764382 h 779411"/>
-                      <a:gd name="connsiteX5" fmla="*/ 25189 w 789571"/>
-                      <a:gd name="connsiteY5" fmla="*/ 382191 h 779411"/>
-                      <a:gd name="connsiteX0" fmla="*/ 2 w 764384"/>
-                      <a:gd name="connsiteY0" fmla="*/ 382191 h 775940"/>
-                      <a:gd name="connsiteX1" fmla="*/ 386255 w 764384"/>
-                      <a:gd name="connsiteY1" fmla="*/ 67650 h 775940"/>
-                      <a:gd name="connsiteX2" fmla="*/ 764384 w 764384"/>
-                      <a:gd name="connsiteY2" fmla="*/ 0 h 775940"/>
-                      <a:gd name="connsiteX3" fmla="*/ 702656 w 764384"/>
-                      <a:gd name="connsiteY3" fmla="*/ 308950 h 775940"/>
-                      <a:gd name="connsiteX4" fmla="*/ 382193 w 764384"/>
-                      <a:gd name="connsiteY4" fmla="*/ 764382 h 775940"/>
-                      <a:gd name="connsiteX5" fmla="*/ 2 w 764384"/>
-                      <a:gd name="connsiteY5" fmla="*/ 382191 h 775940"/>
-                      <a:gd name="connsiteX0" fmla="*/ 2 w 764384"/>
-                      <a:gd name="connsiteY0" fmla="*/ 382191 h 775940"/>
-                      <a:gd name="connsiteX1" fmla="*/ 386255 w 764384"/>
-                      <a:gd name="connsiteY1" fmla="*/ 67650 h 775940"/>
-                      <a:gd name="connsiteX2" fmla="*/ 764384 w 764384"/>
-                      <a:gd name="connsiteY2" fmla="*/ 0 h 775940"/>
-                      <a:gd name="connsiteX3" fmla="*/ 702656 w 764384"/>
-                      <a:gd name="connsiteY3" fmla="*/ 308950 h 775940"/>
-                      <a:gd name="connsiteX4" fmla="*/ 382193 w 764384"/>
-                      <a:gd name="connsiteY4" fmla="*/ 764382 h 775940"/>
-                      <a:gd name="connsiteX5" fmla="*/ 2 w 764384"/>
-                      <a:gd name="connsiteY5" fmla="*/ 382191 h 775940"/>
-                      <a:gd name="connsiteX0" fmla="*/ 2 w 764384"/>
-                      <a:gd name="connsiteY0" fmla="*/ 382191 h 765243"/>
-                      <a:gd name="connsiteX1" fmla="*/ 386255 w 764384"/>
-                      <a:gd name="connsiteY1" fmla="*/ 67650 h 765243"/>
-                      <a:gd name="connsiteX2" fmla="*/ 764384 w 764384"/>
-                      <a:gd name="connsiteY2" fmla="*/ 0 h 765243"/>
-                      <a:gd name="connsiteX3" fmla="*/ 653617 w 764384"/>
-                      <a:gd name="connsiteY3" fmla="*/ 271157 h 765243"/>
-                      <a:gd name="connsiteX4" fmla="*/ 382193 w 764384"/>
-                      <a:gd name="connsiteY4" fmla="*/ 764382 h 765243"/>
-                      <a:gd name="connsiteX5" fmla="*/ 2 w 764384"/>
-                      <a:gd name="connsiteY5" fmla="*/ 382191 h 765243"/>
-                      <a:gd name="connsiteX0" fmla="*/ 2 w 764384"/>
-                      <a:gd name="connsiteY0" fmla="*/ 382191 h 765243"/>
-                      <a:gd name="connsiteX1" fmla="*/ 386255 w 764384"/>
-                      <a:gd name="connsiteY1" fmla="*/ 67650 h 765243"/>
-                      <a:gd name="connsiteX2" fmla="*/ 764384 w 764384"/>
-                      <a:gd name="connsiteY2" fmla="*/ 0 h 765243"/>
-                      <a:gd name="connsiteX3" fmla="*/ 653617 w 764384"/>
-                      <a:gd name="connsiteY3" fmla="*/ 271157 h 765243"/>
-                      <a:gd name="connsiteX4" fmla="*/ 382193 w 764384"/>
-                      <a:gd name="connsiteY4" fmla="*/ 764382 h 765243"/>
-                      <a:gd name="connsiteX5" fmla="*/ 2 w 764384"/>
-                      <a:gd name="connsiteY5" fmla="*/ 382191 h 765243"/>
-                      <a:gd name="connsiteX0" fmla="*/ 2 w 764384"/>
-                      <a:gd name="connsiteY0" fmla="*/ 382191 h 764653"/>
-                      <a:gd name="connsiteX1" fmla="*/ 386255 w 764384"/>
-                      <a:gd name="connsiteY1" fmla="*/ 67650 h 764653"/>
-                      <a:gd name="connsiteX2" fmla="*/ 764384 w 764384"/>
-                      <a:gd name="connsiteY2" fmla="*/ 0 h 764653"/>
-                      <a:gd name="connsiteX3" fmla="*/ 684542 w 764384"/>
-                      <a:gd name="connsiteY3" fmla="*/ 321352 h 764653"/>
-                      <a:gd name="connsiteX4" fmla="*/ 382193 w 764384"/>
-                      <a:gd name="connsiteY4" fmla="*/ 764382 h 764653"/>
-                      <a:gd name="connsiteX5" fmla="*/ 2 w 764384"/>
-                      <a:gd name="connsiteY5" fmla="*/ 382191 h 764653"/>
-                      <a:gd name="connsiteX0" fmla="*/ 1 w 835654"/>
-                      <a:gd name="connsiteY0" fmla="*/ 464170 h 766262"/>
-                      <a:gd name="connsiteX1" fmla="*/ 457525 w 835654"/>
-                      <a:gd name="connsiteY1" fmla="*/ 67650 h 766262"/>
-                      <a:gd name="connsiteX2" fmla="*/ 835654 w 835654"/>
-                      <a:gd name="connsiteY2" fmla="*/ 0 h 766262"/>
-                      <a:gd name="connsiteX3" fmla="*/ 755812 w 835654"/>
-                      <a:gd name="connsiteY3" fmla="*/ 321352 h 766262"/>
-                      <a:gd name="connsiteX4" fmla="*/ 453463 w 835654"/>
-                      <a:gd name="connsiteY4" fmla="*/ 764382 h 766262"/>
-                      <a:gd name="connsiteX5" fmla="*/ 1 w 835654"/>
-                      <a:gd name="connsiteY5" fmla="*/ 464170 h 766262"/>
-                      <a:gd name="connsiteX0" fmla="*/ 204 w 835857"/>
-                      <a:gd name="connsiteY0" fmla="*/ 464170 h 794707"/>
-                      <a:gd name="connsiteX1" fmla="*/ 457728 w 835857"/>
-                      <a:gd name="connsiteY1" fmla="*/ 67650 h 794707"/>
-                      <a:gd name="connsiteX2" fmla="*/ 835857 w 835857"/>
-                      <a:gd name="connsiteY2" fmla="*/ 0 h 794707"/>
-                      <a:gd name="connsiteX3" fmla="*/ 756015 w 835857"/>
-                      <a:gd name="connsiteY3" fmla="*/ 321352 h 794707"/>
-                      <a:gd name="connsiteX4" fmla="*/ 404086 w 835857"/>
-                      <a:gd name="connsiteY4" fmla="*/ 793006 h 794707"/>
-                      <a:gd name="connsiteX5" fmla="*/ 204 w 835857"/>
-                      <a:gd name="connsiteY5" fmla="*/ 464170 h 794707"/>
-                      <a:gd name="connsiteX0" fmla="*/ 204 w 835857"/>
-                      <a:gd name="connsiteY0" fmla="*/ 464170 h 794707"/>
-                      <a:gd name="connsiteX1" fmla="*/ 457728 w 835857"/>
-                      <a:gd name="connsiteY1" fmla="*/ 67650 h 794707"/>
-                      <a:gd name="connsiteX2" fmla="*/ 835857 w 835857"/>
-                      <a:gd name="connsiteY2" fmla="*/ 0 h 794707"/>
-                      <a:gd name="connsiteX3" fmla="*/ 756015 w 835857"/>
-                      <a:gd name="connsiteY3" fmla="*/ 321352 h 794707"/>
-                      <a:gd name="connsiteX4" fmla="*/ 404086 w 835857"/>
-                      <a:gd name="connsiteY4" fmla="*/ 793006 h 794707"/>
-                      <a:gd name="connsiteX5" fmla="*/ 204 w 835857"/>
-                      <a:gd name="connsiteY5" fmla="*/ 464170 h 794707"/>
-                      <a:gd name="connsiteX0" fmla="*/ 204 w 835857"/>
-                      <a:gd name="connsiteY0" fmla="*/ 464170 h 794707"/>
-                      <a:gd name="connsiteX1" fmla="*/ 457728 w 835857"/>
-                      <a:gd name="connsiteY1" fmla="*/ 67650 h 794707"/>
-                      <a:gd name="connsiteX2" fmla="*/ 835857 w 835857"/>
-                      <a:gd name="connsiteY2" fmla="*/ 0 h 794707"/>
-                      <a:gd name="connsiteX3" fmla="*/ 756015 w 835857"/>
-                      <a:gd name="connsiteY3" fmla="*/ 321352 h 794707"/>
-                      <a:gd name="connsiteX4" fmla="*/ 404086 w 835857"/>
-                      <a:gd name="connsiteY4" fmla="*/ 793006 h 794707"/>
-                      <a:gd name="connsiteX5" fmla="*/ 204 w 835857"/>
-                      <a:gd name="connsiteY5" fmla="*/ 464170 h 794707"/>
-                      <a:gd name="connsiteX0" fmla="*/ 204 w 835857"/>
-                      <a:gd name="connsiteY0" fmla="*/ 464170 h 794707"/>
-                      <a:gd name="connsiteX1" fmla="*/ 457728 w 835857"/>
-                      <a:gd name="connsiteY1" fmla="*/ 67650 h 794707"/>
-                      <a:gd name="connsiteX2" fmla="*/ 835857 w 835857"/>
-                      <a:gd name="connsiteY2" fmla="*/ 0 h 794707"/>
-                      <a:gd name="connsiteX3" fmla="*/ 756015 w 835857"/>
-                      <a:gd name="connsiteY3" fmla="*/ 321352 h 794707"/>
-                      <a:gd name="connsiteX4" fmla="*/ 404086 w 835857"/>
-                      <a:gd name="connsiteY4" fmla="*/ 793006 h 794707"/>
-                      <a:gd name="connsiteX5" fmla="*/ 204 w 835857"/>
-                      <a:gd name="connsiteY5" fmla="*/ 464170 h 794707"/>
-                    </a:gdLst>
-                    <a:ahLst/>
-                    <a:cxnLst>
-                      <a:cxn ang="0">
-                        <a:pos x="connsiteX0" y="connsiteY0"/>
-                      </a:cxn>
-                      <a:cxn ang="0">
-                        <a:pos x="connsiteX1" y="connsiteY1"/>
-                      </a:cxn>
-                      <a:cxn ang="0">
-                        <a:pos x="connsiteX2" y="connsiteY2"/>
-                      </a:cxn>
-                      <a:cxn ang="0">
-                        <a:pos x="connsiteX3" y="connsiteY3"/>
-                      </a:cxn>
-                      <a:cxn ang="0">
-                        <a:pos x="connsiteX4" y="connsiteY4"/>
-                      </a:cxn>
-                      <a:cxn ang="0">
-                        <a:pos x="connsiteX5" y="connsiteY5"/>
-                      </a:cxn>
-                    </a:cxnLst>
-                    <a:rect l="l" t="t" r="r" b="b"/>
-                    <a:pathLst>
-                      <a:path w="835857" h="794707">
-                        <a:moveTo>
-                          <a:pt x="204" y="464170"/>
-                        </a:moveTo>
-                        <a:cubicBezTo>
-                          <a:pt x="9144" y="343277"/>
-                          <a:pt x="185241" y="112826"/>
-                          <a:pt x="457728" y="67650"/>
-                        </a:cubicBezTo>
-                        <a:lnTo>
-                          <a:pt x="835857" y="0"/>
-                        </a:lnTo>
-                        <a:cubicBezTo>
-                          <a:pt x="809243" y="107117"/>
-                          <a:pt x="803750" y="126214"/>
-                          <a:pt x="756015" y="321352"/>
-                        </a:cubicBezTo>
-                        <a:cubicBezTo>
-                          <a:pt x="674234" y="552424"/>
-                          <a:pt x="530055" y="769203"/>
-                          <a:pt x="404086" y="793006"/>
-                        </a:cubicBezTo>
-                        <a:cubicBezTo>
-                          <a:pt x="278117" y="816809"/>
-                          <a:pt x="-8736" y="585063"/>
-                          <a:pt x="204" y="464170"/>
-                        </a:cubicBezTo>
-                        <a:close/>
-                      </a:path>
-                    </a:pathLst>
-                  </a:custGeom>
-                  <a:grpFill/>
-                  <a:ln>
-                    <a:solidFill>
-                      <a:schemeClr val="bg1"/>
-                    </a:solidFill>
-                  </a:ln>
-                </p:spPr>
-                <p:style>
-                  <a:lnRef idx="2">
-                    <a:schemeClr val="accent1">
-                      <a:shade val="50000"/>
-                    </a:schemeClr>
-                  </a:lnRef>
-                  <a:fillRef idx="1">
-                    <a:schemeClr val="accent1"/>
-                  </a:fillRef>
-                  <a:effectRef idx="0">
-                    <a:schemeClr val="accent1"/>
-                  </a:effectRef>
-                  <a:fontRef idx="minor">
-                    <a:schemeClr val="lt1"/>
-                  </a:fontRef>
-                </p:style>
-                <p:txBody>
-                  <a:bodyPr rtlCol="0" anchor="ctr"/>
-                  <a:lstStyle/>
-                  <a:p>
-                    <a:pPr algn="ctr"/>
-                    <a:endParaRPr lang="ko-KR" altLang="en-US"/>
-                  </a:p>
-                </p:txBody>
-              </p:sp>
-              <p:sp>
-                <p:nvSpPr>
-                  <p:cNvPr id="17" name="눈물 방울 10"/>
-                  <p:cNvSpPr/>
-                  <p:nvPr/>
-                </p:nvSpPr>
-                <p:spPr>
-                  <a:xfrm rot="19344995">
-                    <a:off x="5902969" y="1754578"/>
-                    <a:ext cx="711527" cy="840692"/>
-                  </a:xfrm>
-                  <a:custGeom>
-                    <a:avLst/>
-                    <a:gdLst>
-                      <a:gd name="connsiteX0" fmla="*/ 0 w 764382"/>
-                      <a:gd name="connsiteY0" fmla="*/ 382191 h 764382"/>
-                      <a:gd name="connsiteX1" fmla="*/ 382191 w 764382"/>
-                      <a:gd name="connsiteY1" fmla="*/ 0 h 764382"/>
-                      <a:gd name="connsiteX2" fmla="*/ 764382 w 764382"/>
-                      <a:gd name="connsiteY2" fmla="*/ 0 h 764382"/>
-                      <a:gd name="connsiteX3" fmla="*/ 764382 w 764382"/>
-                      <a:gd name="connsiteY3" fmla="*/ 382191 h 764382"/>
-                      <a:gd name="connsiteX4" fmla="*/ 382191 w 764382"/>
-                      <a:gd name="connsiteY4" fmla="*/ 764382 h 764382"/>
-                      <a:gd name="connsiteX5" fmla="*/ 0 w 764382"/>
-                      <a:gd name="connsiteY5" fmla="*/ 382191 h 764382"/>
-                      <a:gd name="connsiteX0" fmla="*/ 0 w 764382"/>
-                      <a:gd name="connsiteY0" fmla="*/ 382191 h 764382"/>
-                      <a:gd name="connsiteX1" fmla="*/ 383832 w 764382"/>
-                      <a:gd name="connsiteY1" fmla="*/ 39884 h 764382"/>
-                      <a:gd name="connsiteX2" fmla="*/ 764382 w 764382"/>
-                      <a:gd name="connsiteY2" fmla="*/ 0 h 764382"/>
-                      <a:gd name="connsiteX3" fmla="*/ 764382 w 764382"/>
-                      <a:gd name="connsiteY3" fmla="*/ 382191 h 764382"/>
-                      <a:gd name="connsiteX4" fmla="*/ 382191 w 764382"/>
-                      <a:gd name="connsiteY4" fmla="*/ 764382 h 764382"/>
-                      <a:gd name="connsiteX5" fmla="*/ 0 w 764382"/>
-                      <a:gd name="connsiteY5" fmla="*/ 382191 h 764382"/>
-                      <a:gd name="connsiteX0" fmla="*/ 0 w 764382"/>
-                      <a:gd name="connsiteY0" fmla="*/ 382191 h 764777"/>
-                      <a:gd name="connsiteX1" fmla="*/ 383832 w 764382"/>
-                      <a:gd name="connsiteY1" fmla="*/ 39884 h 764777"/>
-                      <a:gd name="connsiteX2" fmla="*/ 764382 w 764382"/>
-                      <a:gd name="connsiteY2" fmla="*/ 0 h 764777"/>
-                      <a:gd name="connsiteX3" fmla="*/ 702654 w 764382"/>
-                      <a:gd name="connsiteY3" fmla="*/ 308950 h 764777"/>
-                      <a:gd name="connsiteX4" fmla="*/ 382191 w 764382"/>
-                      <a:gd name="connsiteY4" fmla="*/ 764382 h 764777"/>
-                      <a:gd name="connsiteX5" fmla="*/ 0 w 764382"/>
-                      <a:gd name="connsiteY5" fmla="*/ 382191 h 764777"/>
-                      <a:gd name="connsiteX0" fmla="*/ 10926 w 775308"/>
-                      <a:gd name="connsiteY0" fmla="*/ 382191 h 764907"/>
-                      <a:gd name="connsiteX1" fmla="*/ 394758 w 775308"/>
-                      <a:gd name="connsiteY1" fmla="*/ 39884 h 764907"/>
-                      <a:gd name="connsiteX2" fmla="*/ 775308 w 775308"/>
-                      <a:gd name="connsiteY2" fmla="*/ 0 h 764907"/>
-                      <a:gd name="connsiteX3" fmla="*/ 713580 w 775308"/>
-                      <a:gd name="connsiteY3" fmla="*/ 308950 h 764907"/>
-                      <a:gd name="connsiteX4" fmla="*/ 393117 w 775308"/>
-                      <a:gd name="connsiteY4" fmla="*/ 764382 h 764907"/>
-                      <a:gd name="connsiteX5" fmla="*/ 10926 w 775308"/>
-                      <a:gd name="connsiteY5" fmla="*/ 382191 h 764907"/>
-                      <a:gd name="connsiteX0" fmla="*/ 6265 w 770647"/>
-                      <a:gd name="connsiteY0" fmla="*/ 382191 h 764940"/>
-                      <a:gd name="connsiteX1" fmla="*/ 390097 w 770647"/>
-                      <a:gd name="connsiteY1" fmla="*/ 39884 h 764940"/>
-                      <a:gd name="connsiteX2" fmla="*/ 770647 w 770647"/>
-                      <a:gd name="connsiteY2" fmla="*/ 0 h 764940"/>
-                      <a:gd name="connsiteX3" fmla="*/ 708919 w 770647"/>
-                      <a:gd name="connsiteY3" fmla="*/ 308950 h 764940"/>
-                      <a:gd name="connsiteX4" fmla="*/ 388456 w 770647"/>
-                      <a:gd name="connsiteY4" fmla="*/ 764382 h 764940"/>
-                      <a:gd name="connsiteX5" fmla="*/ 6265 w 770647"/>
-                      <a:gd name="connsiteY5" fmla="*/ 382191 h 764940"/>
-                      <a:gd name="connsiteX0" fmla="*/ 7560 w 771942"/>
-                      <a:gd name="connsiteY0" fmla="*/ 382191 h 778955"/>
-                      <a:gd name="connsiteX1" fmla="*/ 391392 w 771942"/>
-                      <a:gd name="connsiteY1" fmla="*/ 39884 h 778955"/>
-                      <a:gd name="connsiteX2" fmla="*/ 771942 w 771942"/>
-                      <a:gd name="connsiteY2" fmla="*/ 0 h 778955"/>
-                      <a:gd name="connsiteX3" fmla="*/ 710214 w 771942"/>
-                      <a:gd name="connsiteY3" fmla="*/ 308950 h 778955"/>
-                      <a:gd name="connsiteX4" fmla="*/ 389751 w 771942"/>
-                      <a:gd name="connsiteY4" fmla="*/ 764382 h 778955"/>
-                      <a:gd name="connsiteX5" fmla="*/ 7560 w 771942"/>
-                      <a:gd name="connsiteY5" fmla="*/ 382191 h 778955"/>
-                      <a:gd name="connsiteX0" fmla="*/ 25189 w 789571"/>
-                      <a:gd name="connsiteY0" fmla="*/ 382191 h 779411"/>
-                      <a:gd name="connsiteX1" fmla="*/ 409021 w 789571"/>
-                      <a:gd name="connsiteY1" fmla="*/ 39884 h 779411"/>
-                      <a:gd name="connsiteX2" fmla="*/ 789571 w 789571"/>
-                      <a:gd name="connsiteY2" fmla="*/ 0 h 779411"/>
-                      <a:gd name="connsiteX3" fmla="*/ 727843 w 789571"/>
-                      <a:gd name="connsiteY3" fmla="*/ 308950 h 779411"/>
-                      <a:gd name="connsiteX4" fmla="*/ 407380 w 789571"/>
-                      <a:gd name="connsiteY4" fmla="*/ 764382 h 779411"/>
-                      <a:gd name="connsiteX5" fmla="*/ 25189 w 789571"/>
-                      <a:gd name="connsiteY5" fmla="*/ 382191 h 779411"/>
-                      <a:gd name="connsiteX0" fmla="*/ 2 w 764384"/>
-                      <a:gd name="connsiteY0" fmla="*/ 382191 h 775940"/>
-                      <a:gd name="connsiteX1" fmla="*/ 386255 w 764384"/>
-                      <a:gd name="connsiteY1" fmla="*/ 67650 h 775940"/>
-                      <a:gd name="connsiteX2" fmla="*/ 764384 w 764384"/>
-                      <a:gd name="connsiteY2" fmla="*/ 0 h 775940"/>
-                      <a:gd name="connsiteX3" fmla="*/ 702656 w 764384"/>
-                      <a:gd name="connsiteY3" fmla="*/ 308950 h 775940"/>
-                      <a:gd name="connsiteX4" fmla="*/ 382193 w 764384"/>
-                      <a:gd name="connsiteY4" fmla="*/ 764382 h 775940"/>
-                      <a:gd name="connsiteX5" fmla="*/ 2 w 764384"/>
-                      <a:gd name="connsiteY5" fmla="*/ 382191 h 775940"/>
-                      <a:gd name="connsiteX0" fmla="*/ 2 w 764384"/>
-                      <a:gd name="connsiteY0" fmla="*/ 382191 h 775940"/>
-                      <a:gd name="connsiteX1" fmla="*/ 386255 w 764384"/>
-                      <a:gd name="connsiteY1" fmla="*/ 67650 h 775940"/>
-                      <a:gd name="connsiteX2" fmla="*/ 764384 w 764384"/>
-                      <a:gd name="connsiteY2" fmla="*/ 0 h 775940"/>
-                      <a:gd name="connsiteX3" fmla="*/ 702656 w 764384"/>
-                      <a:gd name="connsiteY3" fmla="*/ 308950 h 775940"/>
-                      <a:gd name="connsiteX4" fmla="*/ 382193 w 764384"/>
-                      <a:gd name="connsiteY4" fmla="*/ 764382 h 775940"/>
-                      <a:gd name="connsiteX5" fmla="*/ 2 w 764384"/>
-                      <a:gd name="connsiteY5" fmla="*/ 382191 h 775940"/>
-                      <a:gd name="connsiteX0" fmla="*/ 2 w 764384"/>
-                      <a:gd name="connsiteY0" fmla="*/ 382191 h 765243"/>
-                      <a:gd name="connsiteX1" fmla="*/ 386255 w 764384"/>
-                      <a:gd name="connsiteY1" fmla="*/ 67650 h 765243"/>
-                      <a:gd name="connsiteX2" fmla="*/ 764384 w 764384"/>
-                      <a:gd name="connsiteY2" fmla="*/ 0 h 765243"/>
-                      <a:gd name="connsiteX3" fmla="*/ 653617 w 764384"/>
-                      <a:gd name="connsiteY3" fmla="*/ 271157 h 765243"/>
-                      <a:gd name="connsiteX4" fmla="*/ 382193 w 764384"/>
-                      <a:gd name="connsiteY4" fmla="*/ 764382 h 765243"/>
-                      <a:gd name="connsiteX5" fmla="*/ 2 w 764384"/>
-                      <a:gd name="connsiteY5" fmla="*/ 382191 h 765243"/>
-                      <a:gd name="connsiteX0" fmla="*/ 2 w 764384"/>
-                      <a:gd name="connsiteY0" fmla="*/ 382191 h 765243"/>
-                      <a:gd name="connsiteX1" fmla="*/ 386255 w 764384"/>
-                      <a:gd name="connsiteY1" fmla="*/ 67650 h 765243"/>
-                      <a:gd name="connsiteX2" fmla="*/ 764384 w 764384"/>
-                      <a:gd name="connsiteY2" fmla="*/ 0 h 765243"/>
-                      <a:gd name="connsiteX3" fmla="*/ 653617 w 764384"/>
-                      <a:gd name="connsiteY3" fmla="*/ 271157 h 765243"/>
-                      <a:gd name="connsiteX4" fmla="*/ 382193 w 764384"/>
-                      <a:gd name="connsiteY4" fmla="*/ 764382 h 765243"/>
-                      <a:gd name="connsiteX5" fmla="*/ 2 w 764384"/>
-                      <a:gd name="connsiteY5" fmla="*/ 382191 h 765243"/>
-                      <a:gd name="connsiteX0" fmla="*/ 2 w 764384"/>
-                      <a:gd name="connsiteY0" fmla="*/ 382191 h 764653"/>
-                      <a:gd name="connsiteX1" fmla="*/ 386255 w 764384"/>
-                      <a:gd name="connsiteY1" fmla="*/ 67650 h 764653"/>
-                      <a:gd name="connsiteX2" fmla="*/ 764384 w 764384"/>
-                      <a:gd name="connsiteY2" fmla="*/ 0 h 764653"/>
-                      <a:gd name="connsiteX3" fmla="*/ 684542 w 764384"/>
-                      <a:gd name="connsiteY3" fmla="*/ 321352 h 764653"/>
-                      <a:gd name="connsiteX4" fmla="*/ 382193 w 764384"/>
-                      <a:gd name="connsiteY4" fmla="*/ 764382 h 764653"/>
-                      <a:gd name="connsiteX5" fmla="*/ 2 w 764384"/>
-                      <a:gd name="connsiteY5" fmla="*/ 382191 h 764653"/>
-                      <a:gd name="connsiteX0" fmla="*/ 1 w 835654"/>
-                      <a:gd name="connsiteY0" fmla="*/ 464170 h 766262"/>
-                      <a:gd name="connsiteX1" fmla="*/ 457525 w 835654"/>
-                      <a:gd name="connsiteY1" fmla="*/ 67650 h 766262"/>
-                      <a:gd name="connsiteX2" fmla="*/ 835654 w 835654"/>
-                      <a:gd name="connsiteY2" fmla="*/ 0 h 766262"/>
-                      <a:gd name="connsiteX3" fmla="*/ 755812 w 835654"/>
-                      <a:gd name="connsiteY3" fmla="*/ 321352 h 766262"/>
-                      <a:gd name="connsiteX4" fmla="*/ 453463 w 835654"/>
-                      <a:gd name="connsiteY4" fmla="*/ 764382 h 766262"/>
-                      <a:gd name="connsiteX5" fmla="*/ 1 w 835654"/>
-                      <a:gd name="connsiteY5" fmla="*/ 464170 h 766262"/>
-                      <a:gd name="connsiteX0" fmla="*/ 204 w 835857"/>
-                      <a:gd name="connsiteY0" fmla="*/ 464170 h 794707"/>
-                      <a:gd name="connsiteX1" fmla="*/ 457728 w 835857"/>
-                      <a:gd name="connsiteY1" fmla="*/ 67650 h 794707"/>
-                      <a:gd name="connsiteX2" fmla="*/ 835857 w 835857"/>
-                      <a:gd name="connsiteY2" fmla="*/ 0 h 794707"/>
-                      <a:gd name="connsiteX3" fmla="*/ 756015 w 835857"/>
-                      <a:gd name="connsiteY3" fmla="*/ 321352 h 794707"/>
-                      <a:gd name="connsiteX4" fmla="*/ 404086 w 835857"/>
-                      <a:gd name="connsiteY4" fmla="*/ 793006 h 794707"/>
-                      <a:gd name="connsiteX5" fmla="*/ 204 w 835857"/>
-                      <a:gd name="connsiteY5" fmla="*/ 464170 h 794707"/>
-                      <a:gd name="connsiteX0" fmla="*/ 204 w 835857"/>
-                      <a:gd name="connsiteY0" fmla="*/ 464170 h 794707"/>
-                      <a:gd name="connsiteX1" fmla="*/ 457728 w 835857"/>
-                      <a:gd name="connsiteY1" fmla="*/ 67650 h 794707"/>
-                      <a:gd name="connsiteX2" fmla="*/ 835857 w 835857"/>
-                      <a:gd name="connsiteY2" fmla="*/ 0 h 794707"/>
-                      <a:gd name="connsiteX3" fmla="*/ 756015 w 835857"/>
-                      <a:gd name="connsiteY3" fmla="*/ 321352 h 794707"/>
-                      <a:gd name="connsiteX4" fmla="*/ 404086 w 835857"/>
-                      <a:gd name="connsiteY4" fmla="*/ 793006 h 794707"/>
-                      <a:gd name="connsiteX5" fmla="*/ 204 w 835857"/>
-                      <a:gd name="connsiteY5" fmla="*/ 464170 h 794707"/>
-                      <a:gd name="connsiteX0" fmla="*/ 204 w 835857"/>
-                      <a:gd name="connsiteY0" fmla="*/ 464170 h 794707"/>
-                      <a:gd name="connsiteX1" fmla="*/ 457728 w 835857"/>
-                      <a:gd name="connsiteY1" fmla="*/ 67650 h 794707"/>
-                      <a:gd name="connsiteX2" fmla="*/ 835857 w 835857"/>
-                      <a:gd name="connsiteY2" fmla="*/ 0 h 794707"/>
-                      <a:gd name="connsiteX3" fmla="*/ 756015 w 835857"/>
-                      <a:gd name="connsiteY3" fmla="*/ 321352 h 794707"/>
-                      <a:gd name="connsiteX4" fmla="*/ 404086 w 835857"/>
-                      <a:gd name="connsiteY4" fmla="*/ 793006 h 794707"/>
-                      <a:gd name="connsiteX5" fmla="*/ 204 w 835857"/>
-                      <a:gd name="connsiteY5" fmla="*/ 464170 h 794707"/>
-                      <a:gd name="connsiteX0" fmla="*/ 204 w 835857"/>
-                      <a:gd name="connsiteY0" fmla="*/ 464170 h 794707"/>
-                      <a:gd name="connsiteX1" fmla="*/ 457728 w 835857"/>
-                      <a:gd name="connsiteY1" fmla="*/ 67650 h 794707"/>
-                      <a:gd name="connsiteX2" fmla="*/ 835857 w 835857"/>
-                      <a:gd name="connsiteY2" fmla="*/ 0 h 794707"/>
-                      <a:gd name="connsiteX3" fmla="*/ 756015 w 835857"/>
-                      <a:gd name="connsiteY3" fmla="*/ 321352 h 794707"/>
-                      <a:gd name="connsiteX4" fmla="*/ 404086 w 835857"/>
-                      <a:gd name="connsiteY4" fmla="*/ 793006 h 794707"/>
-                      <a:gd name="connsiteX5" fmla="*/ 204 w 835857"/>
-                      <a:gd name="connsiteY5" fmla="*/ 464170 h 794707"/>
-                    </a:gdLst>
-                    <a:ahLst/>
-                    <a:cxnLst>
-                      <a:cxn ang="0">
-                        <a:pos x="connsiteX0" y="connsiteY0"/>
-                      </a:cxn>
-                      <a:cxn ang="0">
-                        <a:pos x="connsiteX1" y="connsiteY1"/>
-                      </a:cxn>
-                      <a:cxn ang="0">
-                        <a:pos x="connsiteX2" y="connsiteY2"/>
-                      </a:cxn>
-                      <a:cxn ang="0">
-                        <a:pos x="connsiteX3" y="connsiteY3"/>
-                      </a:cxn>
-                      <a:cxn ang="0">
-                        <a:pos x="connsiteX4" y="connsiteY4"/>
-                      </a:cxn>
-                      <a:cxn ang="0">
-                        <a:pos x="connsiteX5" y="connsiteY5"/>
-                      </a:cxn>
-                    </a:cxnLst>
-                    <a:rect l="l" t="t" r="r" b="b"/>
-                    <a:pathLst>
-                      <a:path w="835857" h="794707">
-                        <a:moveTo>
-                          <a:pt x="204" y="464170"/>
-                        </a:moveTo>
-                        <a:cubicBezTo>
-                          <a:pt x="9144" y="343277"/>
-                          <a:pt x="185241" y="112826"/>
-                          <a:pt x="457728" y="67650"/>
-                        </a:cubicBezTo>
-                        <a:lnTo>
-                          <a:pt x="835857" y="0"/>
-                        </a:lnTo>
-                        <a:cubicBezTo>
-                          <a:pt x="809243" y="107117"/>
-                          <a:pt x="803750" y="126214"/>
-                          <a:pt x="756015" y="321352"/>
-                        </a:cubicBezTo>
-                        <a:cubicBezTo>
-                          <a:pt x="674234" y="552424"/>
-                          <a:pt x="530055" y="769203"/>
-                          <a:pt x="404086" y="793006"/>
-                        </a:cubicBezTo>
-                        <a:cubicBezTo>
-                          <a:pt x="278117" y="816809"/>
-                          <a:pt x="-8736" y="585063"/>
-                          <a:pt x="204" y="464170"/>
-                        </a:cubicBezTo>
-                        <a:close/>
-                      </a:path>
-                    </a:pathLst>
-                  </a:custGeom>
-                  <a:grpFill/>
-                  <a:ln>
-                    <a:solidFill>
-                      <a:schemeClr val="bg1"/>
-                    </a:solidFill>
-                  </a:ln>
-                </p:spPr>
-                <p:style>
-                  <a:lnRef idx="2">
-                    <a:schemeClr val="accent1">
-                      <a:shade val="50000"/>
-                    </a:schemeClr>
-                  </a:lnRef>
-                  <a:fillRef idx="1">
-                    <a:schemeClr val="accent1"/>
-                  </a:fillRef>
-                  <a:effectRef idx="0">
-                    <a:schemeClr val="accent1"/>
-                  </a:effectRef>
-                  <a:fontRef idx="minor">
-                    <a:schemeClr val="lt1"/>
-                  </a:fontRef>
-                </p:style>
-                <p:txBody>
-                  <a:bodyPr rtlCol="0" anchor="ctr"/>
-                  <a:lstStyle/>
-                  <a:p>
-                    <a:pPr algn="ctr"/>
-                    <a:endParaRPr lang="ko-KR" altLang="en-US"/>
-                  </a:p>
-                </p:txBody>
-              </p:sp>
-              <p:sp>
-                <p:nvSpPr>
-                  <p:cNvPr id="18" name="눈물 방울 10"/>
-                  <p:cNvSpPr/>
-                  <p:nvPr/>
-                </p:nvSpPr>
-                <p:spPr>
-                  <a:xfrm rot="4500000">
-                    <a:off x="5284552" y="816409"/>
-                    <a:ext cx="835857" cy="794707"/>
-                  </a:xfrm>
-                  <a:custGeom>
-                    <a:avLst/>
-                    <a:gdLst>
-                      <a:gd name="connsiteX0" fmla="*/ 0 w 764382"/>
-                      <a:gd name="connsiteY0" fmla="*/ 382191 h 764382"/>
-                      <a:gd name="connsiteX1" fmla="*/ 382191 w 764382"/>
-                      <a:gd name="connsiteY1" fmla="*/ 0 h 764382"/>
-                      <a:gd name="connsiteX2" fmla="*/ 764382 w 764382"/>
-                      <a:gd name="connsiteY2" fmla="*/ 0 h 764382"/>
-                      <a:gd name="connsiteX3" fmla="*/ 764382 w 764382"/>
-                      <a:gd name="connsiteY3" fmla="*/ 382191 h 764382"/>
-                      <a:gd name="connsiteX4" fmla="*/ 382191 w 764382"/>
-                      <a:gd name="connsiteY4" fmla="*/ 764382 h 764382"/>
-                      <a:gd name="connsiteX5" fmla="*/ 0 w 764382"/>
-                      <a:gd name="connsiteY5" fmla="*/ 382191 h 764382"/>
-                      <a:gd name="connsiteX0" fmla="*/ 0 w 764382"/>
-                      <a:gd name="connsiteY0" fmla="*/ 382191 h 764382"/>
-                      <a:gd name="connsiteX1" fmla="*/ 383832 w 764382"/>
-                      <a:gd name="connsiteY1" fmla="*/ 39884 h 764382"/>
-                      <a:gd name="connsiteX2" fmla="*/ 764382 w 764382"/>
-                      <a:gd name="connsiteY2" fmla="*/ 0 h 764382"/>
-                      <a:gd name="connsiteX3" fmla="*/ 764382 w 764382"/>
-                      <a:gd name="connsiteY3" fmla="*/ 382191 h 764382"/>
-                      <a:gd name="connsiteX4" fmla="*/ 382191 w 764382"/>
-                      <a:gd name="connsiteY4" fmla="*/ 764382 h 764382"/>
-                      <a:gd name="connsiteX5" fmla="*/ 0 w 764382"/>
-                      <a:gd name="connsiteY5" fmla="*/ 382191 h 764382"/>
-                      <a:gd name="connsiteX0" fmla="*/ 0 w 764382"/>
-                      <a:gd name="connsiteY0" fmla="*/ 382191 h 764777"/>
-                      <a:gd name="connsiteX1" fmla="*/ 383832 w 764382"/>
-                      <a:gd name="connsiteY1" fmla="*/ 39884 h 764777"/>
-                      <a:gd name="connsiteX2" fmla="*/ 764382 w 764382"/>
-                      <a:gd name="connsiteY2" fmla="*/ 0 h 764777"/>
-                      <a:gd name="connsiteX3" fmla="*/ 702654 w 764382"/>
-                      <a:gd name="connsiteY3" fmla="*/ 308950 h 764777"/>
-                      <a:gd name="connsiteX4" fmla="*/ 382191 w 764382"/>
-                      <a:gd name="connsiteY4" fmla="*/ 764382 h 764777"/>
-                      <a:gd name="connsiteX5" fmla="*/ 0 w 764382"/>
-                      <a:gd name="connsiteY5" fmla="*/ 382191 h 764777"/>
-                      <a:gd name="connsiteX0" fmla="*/ 10926 w 775308"/>
-                      <a:gd name="connsiteY0" fmla="*/ 382191 h 764907"/>
-                      <a:gd name="connsiteX1" fmla="*/ 394758 w 775308"/>
-                      <a:gd name="connsiteY1" fmla="*/ 39884 h 764907"/>
-                      <a:gd name="connsiteX2" fmla="*/ 775308 w 775308"/>
-                      <a:gd name="connsiteY2" fmla="*/ 0 h 764907"/>
-                      <a:gd name="connsiteX3" fmla="*/ 713580 w 775308"/>
-                      <a:gd name="connsiteY3" fmla="*/ 308950 h 764907"/>
-                      <a:gd name="connsiteX4" fmla="*/ 393117 w 775308"/>
-                      <a:gd name="connsiteY4" fmla="*/ 764382 h 764907"/>
-                      <a:gd name="connsiteX5" fmla="*/ 10926 w 775308"/>
-                      <a:gd name="connsiteY5" fmla="*/ 382191 h 764907"/>
-                      <a:gd name="connsiteX0" fmla="*/ 6265 w 770647"/>
-                      <a:gd name="connsiteY0" fmla="*/ 382191 h 764940"/>
-                      <a:gd name="connsiteX1" fmla="*/ 390097 w 770647"/>
-                      <a:gd name="connsiteY1" fmla="*/ 39884 h 764940"/>
-                      <a:gd name="connsiteX2" fmla="*/ 770647 w 770647"/>
-                      <a:gd name="connsiteY2" fmla="*/ 0 h 764940"/>
-                      <a:gd name="connsiteX3" fmla="*/ 708919 w 770647"/>
-                      <a:gd name="connsiteY3" fmla="*/ 308950 h 764940"/>
-                      <a:gd name="connsiteX4" fmla="*/ 388456 w 770647"/>
-                      <a:gd name="connsiteY4" fmla="*/ 764382 h 764940"/>
-                      <a:gd name="connsiteX5" fmla="*/ 6265 w 770647"/>
-                      <a:gd name="connsiteY5" fmla="*/ 382191 h 764940"/>
-                      <a:gd name="connsiteX0" fmla="*/ 7560 w 771942"/>
-                      <a:gd name="connsiteY0" fmla="*/ 382191 h 778955"/>
-                      <a:gd name="connsiteX1" fmla="*/ 391392 w 771942"/>
-                      <a:gd name="connsiteY1" fmla="*/ 39884 h 778955"/>
-                      <a:gd name="connsiteX2" fmla="*/ 771942 w 771942"/>
-                      <a:gd name="connsiteY2" fmla="*/ 0 h 778955"/>
-                      <a:gd name="connsiteX3" fmla="*/ 710214 w 771942"/>
-                      <a:gd name="connsiteY3" fmla="*/ 308950 h 778955"/>
-                      <a:gd name="connsiteX4" fmla="*/ 389751 w 771942"/>
-                      <a:gd name="connsiteY4" fmla="*/ 764382 h 778955"/>
-                      <a:gd name="connsiteX5" fmla="*/ 7560 w 771942"/>
-                      <a:gd name="connsiteY5" fmla="*/ 382191 h 778955"/>
-                      <a:gd name="connsiteX0" fmla="*/ 25189 w 789571"/>
-                      <a:gd name="connsiteY0" fmla="*/ 382191 h 779411"/>
-                      <a:gd name="connsiteX1" fmla="*/ 409021 w 789571"/>
-                      <a:gd name="connsiteY1" fmla="*/ 39884 h 779411"/>
-                      <a:gd name="connsiteX2" fmla="*/ 789571 w 789571"/>
-                      <a:gd name="connsiteY2" fmla="*/ 0 h 779411"/>
-                      <a:gd name="connsiteX3" fmla="*/ 727843 w 789571"/>
-                      <a:gd name="connsiteY3" fmla="*/ 308950 h 779411"/>
-                      <a:gd name="connsiteX4" fmla="*/ 407380 w 789571"/>
-                      <a:gd name="connsiteY4" fmla="*/ 764382 h 779411"/>
-                      <a:gd name="connsiteX5" fmla="*/ 25189 w 789571"/>
-                      <a:gd name="connsiteY5" fmla="*/ 382191 h 779411"/>
-                      <a:gd name="connsiteX0" fmla="*/ 2 w 764384"/>
-                      <a:gd name="connsiteY0" fmla="*/ 382191 h 775940"/>
-                      <a:gd name="connsiteX1" fmla="*/ 386255 w 764384"/>
-                      <a:gd name="connsiteY1" fmla="*/ 67650 h 775940"/>
-                      <a:gd name="connsiteX2" fmla="*/ 764384 w 764384"/>
-                      <a:gd name="connsiteY2" fmla="*/ 0 h 775940"/>
-                      <a:gd name="connsiteX3" fmla="*/ 702656 w 764384"/>
-                      <a:gd name="connsiteY3" fmla="*/ 308950 h 775940"/>
-                      <a:gd name="connsiteX4" fmla="*/ 382193 w 764384"/>
-                      <a:gd name="connsiteY4" fmla="*/ 764382 h 775940"/>
-                      <a:gd name="connsiteX5" fmla="*/ 2 w 764384"/>
-                      <a:gd name="connsiteY5" fmla="*/ 382191 h 775940"/>
-                      <a:gd name="connsiteX0" fmla="*/ 2 w 764384"/>
-                      <a:gd name="connsiteY0" fmla="*/ 382191 h 775940"/>
-                      <a:gd name="connsiteX1" fmla="*/ 386255 w 764384"/>
-                      <a:gd name="connsiteY1" fmla="*/ 67650 h 775940"/>
-                      <a:gd name="connsiteX2" fmla="*/ 764384 w 764384"/>
-                      <a:gd name="connsiteY2" fmla="*/ 0 h 775940"/>
-                      <a:gd name="connsiteX3" fmla="*/ 702656 w 764384"/>
-                      <a:gd name="connsiteY3" fmla="*/ 308950 h 775940"/>
-                      <a:gd name="connsiteX4" fmla="*/ 382193 w 764384"/>
-                      <a:gd name="connsiteY4" fmla="*/ 764382 h 775940"/>
-                      <a:gd name="connsiteX5" fmla="*/ 2 w 764384"/>
-                      <a:gd name="connsiteY5" fmla="*/ 382191 h 775940"/>
-                      <a:gd name="connsiteX0" fmla="*/ 2 w 764384"/>
-                      <a:gd name="connsiteY0" fmla="*/ 382191 h 765243"/>
-                      <a:gd name="connsiteX1" fmla="*/ 386255 w 764384"/>
-                      <a:gd name="connsiteY1" fmla="*/ 67650 h 765243"/>
-                      <a:gd name="connsiteX2" fmla="*/ 764384 w 764384"/>
-                      <a:gd name="connsiteY2" fmla="*/ 0 h 765243"/>
-                      <a:gd name="connsiteX3" fmla="*/ 653617 w 764384"/>
-                      <a:gd name="connsiteY3" fmla="*/ 271157 h 765243"/>
-                      <a:gd name="connsiteX4" fmla="*/ 382193 w 764384"/>
-                      <a:gd name="connsiteY4" fmla="*/ 764382 h 765243"/>
-                      <a:gd name="connsiteX5" fmla="*/ 2 w 764384"/>
-                      <a:gd name="connsiteY5" fmla="*/ 382191 h 765243"/>
-                      <a:gd name="connsiteX0" fmla="*/ 2 w 764384"/>
-                      <a:gd name="connsiteY0" fmla="*/ 382191 h 765243"/>
-                      <a:gd name="connsiteX1" fmla="*/ 386255 w 764384"/>
-                      <a:gd name="connsiteY1" fmla="*/ 67650 h 765243"/>
-                      <a:gd name="connsiteX2" fmla="*/ 764384 w 764384"/>
-                      <a:gd name="connsiteY2" fmla="*/ 0 h 765243"/>
-                      <a:gd name="connsiteX3" fmla="*/ 653617 w 764384"/>
-                      <a:gd name="connsiteY3" fmla="*/ 271157 h 765243"/>
-                      <a:gd name="connsiteX4" fmla="*/ 382193 w 764384"/>
-                      <a:gd name="connsiteY4" fmla="*/ 764382 h 765243"/>
-                      <a:gd name="connsiteX5" fmla="*/ 2 w 764384"/>
-                      <a:gd name="connsiteY5" fmla="*/ 382191 h 765243"/>
-                      <a:gd name="connsiteX0" fmla="*/ 2 w 764384"/>
-                      <a:gd name="connsiteY0" fmla="*/ 382191 h 764653"/>
-                      <a:gd name="connsiteX1" fmla="*/ 386255 w 764384"/>
-                      <a:gd name="connsiteY1" fmla="*/ 67650 h 764653"/>
-                      <a:gd name="connsiteX2" fmla="*/ 764384 w 764384"/>
-                      <a:gd name="connsiteY2" fmla="*/ 0 h 764653"/>
-                      <a:gd name="connsiteX3" fmla="*/ 684542 w 764384"/>
-                      <a:gd name="connsiteY3" fmla="*/ 321352 h 764653"/>
-                      <a:gd name="connsiteX4" fmla="*/ 382193 w 764384"/>
-                      <a:gd name="connsiteY4" fmla="*/ 764382 h 764653"/>
-                      <a:gd name="connsiteX5" fmla="*/ 2 w 764384"/>
-                      <a:gd name="connsiteY5" fmla="*/ 382191 h 764653"/>
-                      <a:gd name="connsiteX0" fmla="*/ 1 w 835654"/>
-                      <a:gd name="connsiteY0" fmla="*/ 464170 h 766262"/>
-                      <a:gd name="connsiteX1" fmla="*/ 457525 w 835654"/>
-                      <a:gd name="connsiteY1" fmla="*/ 67650 h 766262"/>
-                      <a:gd name="connsiteX2" fmla="*/ 835654 w 835654"/>
-                      <a:gd name="connsiteY2" fmla="*/ 0 h 766262"/>
-                      <a:gd name="connsiteX3" fmla="*/ 755812 w 835654"/>
-                      <a:gd name="connsiteY3" fmla="*/ 321352 h 766262"/>
-                      <a:gd name="connsiteX4" fmla="*/ 453463 w 835654"/>
-                      <a:gd name="connsiteY4" fmla="*/ 764382 h 766262"/>
-                      <a:gd name="connsiteX5" fmla="*/ 1 w 835654"/>
-                      <a:gd name="connsiteY5" fmla="*/ 464170 h 766262"/>
-                      <a:gd name="connsiteX0" fmla="*/ 204 w 835857"/>
-                      <a:gd name="connsiteY0" fmla="*/ 464170 h 794707"/>
-                      <a:gd name="connsiteX1" fmla="*/ 457728 w 835857"/>
-                      <a:gd name="connsiteY1" fmla="*/ 67650 h 794707"/>
-                      <a:gd name="connsiteX2" fmla="*/ 835857 w 835857"/>
-                      <a:gd name="connsiteY2" fmla="*/ 0 h 794707"/>
-                      <a:gd name="connsiteX3" fmla="*/ 756015 w 835857"/>
-                      <a:gd name="connsiteY3" fmla="*/ 321352 h 794707"/>
-                      <a:gd name="connsiteX4" fmla="*/ 404086 w 835857"/>
-                      <a:gd name="connsiteY4" fmla="*/ 793006 h 794707"/>
-                      <a:gd name="connsiteX5" fmla="*/ 204 w 835857"/>
-                      <a:gd name="connsiteY5" fmla="*/ 464170 h 794707"/>
-                      <a:gd name="connsiteX0" fmla="*/ 204 w 835857"/>
-                      <a:gd name="connsiteY0" fmla="*/ 464170 h 794707"/>
-                      <a:gd name="connsiteX1" fmla="*/ 457728 w 835857"/>
-                      <a:gd name="connsiteY1" fmla="*/ 67650 h 794707"/>
-                      <a:gd name="connsiteX2" fmla="*/ 835857 w 835857"/>
-                      <a:gd name="connsiteY2" fmla="*/ 0 h 794707"/>
-                      <a:gd name="connsiteX3" fmla="*/ 756015 w 835857"/>
-                      <a:gd name="connsiteY3" fmla="*/ 321352 h 794707"/>
-                      <a:gd name="connsiteX4" fmla="*/ 404086 w 835857"/>
-                      <a:gd name="connsiteY4" fmla="*/ 793006 h 794707"/>
-                      <a:gd name="connsiteX5" fmla="*/ 204 w 835857"/>
-                      <a:gd name="connsiteY5" fmla="*/ 464170 h 794707"/>
-                      <a:gd name="connsiteX0" fmla="*/ 204 w 835857"/>
-                      <a:gd name="connsiteY0" fmla="*/ 464170 h 794707"/>
-                      <a:gd name="connsiteX1" fmla="*/ 457728 w 835857"/>
-                      <a:gd name="connsiteY1" fmla="*/ 67650 h 794707"/>
-                      <a:gd name="connsiteX2" fmla="*/ 835857 w 835857"/>
-                      <a:gd name="connsiteY2" fmla="*/ 0 h 794707"/>
-                      <a:gd name="connsiteX3" fmla="*/ 756015 w 835857"/>
-                      <a:gd name="connsiteY3" fmla="*/ 321352 h 794707"/>
-                      <a:gd name="connsiteX4" fmla="*/ 404086 w 835857"/>
-                      <a:gd name="connsiteY4" fmla="*/ 793006 h 794707"/>
-                      <a:gd name="connsiteX5" fmla="*/ 204 w 835857"/>
-                      <a:gd name="connsiteY5" fmla="*/ 464170 h 794707"/>
-                      <a:gd name="connsiteX0" fmla="*/ 204 w 835857"/>
-                      <a:gd name="connsiteY0" fmla="*/ 464170 h 794707"/>
-                      <a:gd name="connsiteX1" fmla="*/ 457728 w 835857"/>
-                      <a:gd name="connsiteY1" fmla="*/ 67650 h 794707"/>
-                      <a:gd name="connsiteX2" fmla="*/ 835857 w 835857"/>
-                      <a:gd name="connsiteY2" fmla="*/ 0 h 794707"/>
-                      <a:gd name="connsiteX3" fmla="*/ 756015 w 835857"/>
-                      <a:gd name="connsiteY3" fmla="*/ 321352 h 794707"/>
-                      <a:gd name="connsiteX4" fmla="*/ 404086 w 835857"/>
-                      <a:gd name="connsiteY4" fmla="*/ 793006 h 794707"/>
-                      <a:gd name="connsiteX5" fmla="*/ 204 w 835857"/>
-                      <a:gd name="connsiteY5" fmla="*/ 464170 h 794707"/>
-                    </a:gdLst>
-                    <a:ahLst/>
-                    <a:cxnLst>
-                      <a:cxn ang="0">
-                        <a:pos x="connsiteX0" y="connsiteY0"/>
-                      </a:cxn>
-                      <a:cxn ang="0">
-                        <a:pos x="connsiteX1" y="connsiteY1"/>
-                      </a:cxn>
-                      <a:cxn ang="0">
-                        <a:pos x="connsiteX2" y="connsiteY2"/>
-                      </a:cxn>
-                      <a:cxn ang="0">
-                        <a:pos x="connsiteX3" y="connsiteY3"/>
-                      </a:cxn>
-                      <a:cxn ang="0">
-                        <a:pos x="connsiteX4" y="connsiteY4"/>
-                      </a:cxn>
-                      <a:cxn ang="0">
-                        <a:pos x="connsiteX5" y="connsiteY5"/>
-                      </a:cxn>
-                    </a:cxnLst>
-                    <a:rect l="l" t="t" r="r" b="b"/>
-                    <a:pathLst>
-                      <a:path w="835857" h="794707">
-                        <a:moveTo>
-                          <a:pt x="204" y="464170"/>
-                        </a:moveTo>
-                        <a:cubicBezTo>
-                          <a:pt x="9144" y="343277"/>
-                          <a:pt x="185241" y="112826"/>
-                          <a:pt x="457728" y="67650"/>
-                        </a:cubicBezTo>
-                        <a:lnTo>
-                          <a:pt x="835857" y="0"/>
-                        </a:lnTo>
-                        <a:cubicBezTo>
-                          <a:pt x="809243" y="107117"/>
-                          <a:pt x="803750" y="126214"/>
-                          <a:pt x="756015" y="321352"/>
-                        </a:cubicBezTo>
-                        <a:cubicBezTo>
-                          <a:pt x="674234" y="552424"/>
-                          <a:pt x="530055" y="769203"/>
-                          <a:pt x="404086" y="793006"/>
-                        </a:cubicBezTo>
-                        <a:cubicBezTo>
-                          <a:pt x="278117" y="816809"/>
-                          <a:pt x="-8736" y="585063"/>
-                          <a:pt x="204" y="464170"/>
-                        </a:cubicBezTo>
-                        <a:close/>
-                      </a:path>
-                    </a:pathLst>
-                  </a:custGeom>
-                  <a:grpFill/>
-                  <a:ln>
-                    <a:solidFill>
-                      <a:schemeClr val="bg1"/>
-                    </a:solidFill>
-                  </a:ln>
-                </p:spPr>
-                <p:style>
-                  <a:lnRef idx="2">
-                    <a:schemeClr val="accent1">
-                      <a:shade val="50000"/>
-                    </a:schemeClr>
-                  </a:lnRef>
-                  <a:fillRef idx="1">
-                    <a:schemeClr val="accent1"/>
-                  </a:fillRef>
-                  <a:effectRef idx="0">
-                    <a:schemeClr val="accent1"/>
-                  </a:effectRef>
-                  <a:fontRef idx="minor">
-                    <a:schemeClr val="lt1"/>
-                  </a:fontRef>
-                </p:style>
-                <p:txBody>
-                  <a:bodyPr rtlCol="0" anchor="ctr"/>
-                  <a:lstStyle/>
-                  <a:p>
-                    <a:pPr algn="ctr"/>
-                    <a:endParaRPr lang="ko-KR" altLang="en-US"/>
-                  </a:p>
-                </p:txBody>
-              </p:sp>
-              <p:sp>
-                <p:nvSpPr>
-                  <p:cNvPr id="19" name="눈물 방울 10"/>
-                  <p:cNvSpPr/>
-                  <p:nvPr/>
-                </p:nvSpPr>
-                <p:spPr>
-                  <a:xfrm rot="8176895">
-                    <a:off x="5887413" y="439317"/>
-                    <a:ext cx="835857" cy="794707"/>
-                  </a:xfrm>
-                  <a:custGeom>
-                    <a:avLst/>
-                    <a:gdLst>
-                      <a:gd name="connsiteX0" fmla="*/ 0 w 764382"/>
-                      <a:gd name="connsiteY0" fmla="*/ 382191 h 764382"/>
-                      <a:gd name="connsiteX1" fmla="*/ 382191 w 764382"/>
-                      <a:gd name="connsiteY1" fmla="*/ 0 h 764382"/>
-                      <a:gd name="connsiteX2" fmla="*/ 764382 w 764382"/>
-                      <a:gd name="connsiteY2" fmla="*/ 0 h 764382"/>
-                      <a:gd name="connsiteX3" fmla="*/ 764382 w 764382"/>
-                      <a:gd name="connsiteY3" fmla="*/ 382191 h 764382"/>
-                      <a:gd name="connsiteX4" fmla="*/ 382191 w 764382"/>
-                      <a:gd name="connsiteY4" fmla="*/ 764382 h 764382"/>
-                      <a:gd name="connsiteX5" fmla="*/ 0 w 764382"/>
-                      <a:gd name="connsiteY5" fmla="*/ 382191 h 764382"/>
-                      <a:gd name="connsiteX0" fmla="*/ 0 w 764382"/>
-                      <a:gd name="connsiteY0" fmla="*/ 382191 h 764382"/>
-                      <a:gd name="connsiteX1" fmla="*/ 383832 w 764382"/>
-                      <a:gd name="connsiteY1" fmla="*/ 39884 h 764382"/>
-                      <a:gd name="connsiteX2" fmla="*/ 764382 w 764382"/>
-                      <a:gd name="connsiteY2" fmla="*/ 0 h 764382"/>
-                      <a:gd name="connsiteX3" fmla="*/ 764382 w 764382"/>
-                      <a:gd name="connsiteY3" fmla="*/ 382191 h 764382"/>
-                      <a:gd name="connsiteX4" fmla="*/ 382191 w 764382"/>
-                      <a:gd name="connsiteY4" fmla="*/ 764382 h 764382"/>
-                      <a:gd name="connsiteX5" fmla="*/ 0 w 764382"/>
-                      <a:gd name="connsiteY5" fmla="*/ 382191 h 764382"/>
-                      <a:gd name="connsiteX0" fmla="*/ 0 w 764382"/>
-                      <a:gd name="connsiteY0" fmla="*/ 382191 h 764777"/>
-                      <a:gd name="connsiteX1" fmla="*/ 383832 w 764382"/>
-                      <a:gd name="connsiteY1" fmla="*/ 39884 h 764777"/>
-                      <a:gd name="connsiteX2" fmla="*/ 764382 w 764382"/>
-                      <a:gd name="connsiteY2" fmla="*/ 0 h 764777"/>
-                      <a:gd name="connsiteX3" fmla="*/ 702654 w 764382"/>
-                      <a:gd name="connsiteY3" fmla="*/ 308950 h 764777"/>
-                      <a:gd name="connsiteX4" fmla="*/ 382191 w 764382"/>
-                      <a:gd name="connsiteY4" fmla="*/ 764382 h 764777"/>
-                      <a:gd name="connsiteX5" fmla="*/ 0 w 764382"/>
-                      <a:gd name="connsiteY5" fmla="*/ 382191 h 764777"/>
-                      <a:gd name="connsiteX0" fmla="*/ 10926 w 775308"/>
-                      <a:gd name="connsiteY0" fmla="*/ 382191 h 764907"/>
-                      <a:gd name="connsiteX1" fmla="*/ 394758 w 775308"/>
-                      <a:gd name="connsiteY1" fmla="*/ 39884 h 764907"/>
-                      <a:gd name="connsiteX2" fmla="*/ 775308 w 775308"/>
-                      <a:gd name="connsiteY2" fmla="*/ 0 h 764907"/>
-                      <a:gd name="connsiteX3" fmla="*/ 713580 w 775308"/>
-                      <a:gd name="connsiteY3" fmla="*/ 308950 h 764907"/>
-                      <a:gd name="connsiteX4" fmla="*/ 393117 w 775308"/>
-                      <a:gd name="connsiteY4" fmla="*/ 764382 h 764907"/>
-                      <a:gd name="connsiteX5" fmla="*/ 10926 w 775308"/>
-                      <a:gd name="connsiteY5" fmla="*/ 382191 h 764907"/>
-                      <a:gd name="connsiteX0" fmla="*/ 6265 w 770647"/>
-                      <a:gd name="connsiteY0" fmla="*/ 382191 h 764940"/>
-                      <a:gd name="connsiteX1" fmla="*/ 390097 w 770647"/>
-                      <a:gd name="connsiteY1" fmla="*/ 39884 h 764940"/>
-                      <a:gd name="connsiteX2" fmla="*/ 770647 w 770647"/>
-                      <a:gd name="connsiteY2" fmla="*/ 0 h 764940"/>
-                      <a:gd name="connsiteX3" fmla="*/ 708919 w 770647"/>
-                      <a:gd name="connsiteY3" fmla="*/ 308950 h 764940"/>
-                      <a:gd name="connsiteX4" fmla="*/ 388456 w 770647"/>
-                      <a:gd name="connsiteY4" fmla="*/ 764382 h 764940"/>
-                      <a:gd name="connsiteX5" fmla="*/ 6265 w 770647"/>
-                      <a:gd name="connsiteY5" fmla="*/ 382191 h 764940"/>
-                      <a:gd name="connsiteX0" fmla="*/ 7560 w 771942"/>
-                      <a:gd name="connsiteY0" fmla="*/ 382191 h 778955"/>
-                      <a:gd name="connsiteX1" fmla="*/ 391392 w 771942"/>
-                      <a:gd name="connsiteY1" fmla="*/ 39884 h 778955"/>
-                      <a:gd name="connsiteX2" fmla="*/ 771942 w 771942"/>
-                      <a:gd name="connsiteY2" fmla="*/ 0 h 778955"/>
-                      <a:gd name="connsiteX3" fmla="*/ 710214 w 771942"/>
-                      <a:gd name="connsiteY3" fmla="*/ 308950 h 778955"/>
-                      <a:gd name="connsiteX4" fmla="*/ 389751 w 771942"/>
-                      <a:gd name="connsiteY4" fmla="*/ 764382 h 778955"/>
-                      <a:gd name="connsiteX5" fmla="*/ 7560 w 771942"/>
-                      <a:gd name="connsiteY5" fmla="*/ 382191 h 778955"/>
-                      <a:gd name="connsiteX0" fmla="*/ 25189 w 789571"/>
-                      <a:gd name="connsiteY0" fmla="*/ 382191 h 779411"/>
-                      <a:gd name="connsiteX1" fmla="*/ 409021 w 789571"/>
-                      <a:gd name="connsiteY1" fmla="*/ 39884 h 779411"/>
-                      <a:gd name="connsiteX2" fmla="*/ 789571 w 789571"/>
-                      <a:gd name="connsiteY2" fmla="*/ 0 h 779411"/>
-                      <a:gd name="connsiteX3" fmla="*/ 727843 w 789571"/>
-                      <a:gd name="connsiteY3" fmla="*/ 308950 h 779411"/>
-                      <a:gd name="connsiteX4" fmla="*/ 407380 w 789571"/>
-                      <a:gd name="connsiteY4" fmla="*/ 764382 h 779411"/>
-                      <a:gd name="connsiteX5" fmla="*/ 25189 w 789571"/>
-                      <a:gd name="connsiteY5" fmla="*/ 382191 h 779411"/>
-                      <a:gd name="connsiteX0" fmla="*/ 2 w 764384"/>
-                      <a:gd name="connsiteY0" fmla="*/ 382191 h 775940"/>
-                      <a:gd name="connsiteX1" fmla="*/ 386255 w 764384"/>
-                      <a:gd name="connsiteY1" fmla="*/ 67650 h 775940"/>
-                      <a:gd name="connsiteX2" fmla="*/ 764384 w 764384"/>
-                      <a:gd name="connsiteY2" fmla="*/ 0 h 775940"/>
-                      <a:gd name="connsiteX3" fmla="*/ 702656 w 764384"/>
-                      <a:gd name="connsiteY3" fmla="*/ 308950 h 775940"/>
-                      <a:gd name="connsiteX4" fmla="*/ 382193 w 764384"/>
-                      <a:gd name="connsiteY4" fmla="*/ 764382 h 775940"/>
-                      <a:gd name="connsiteX5" fmla="*/ 2 w 764384"/>
-                      <a:gd name="connsiteY5" fmla="*/ 382191 h 775940"/>
-                      <a:gd name="connsiteX0" fmla="*/ 2 w 764384"/>
-                      <a:gd name="connsiteY0" fmla="*/ 382191 h 775940"/>
-                      <a:gd name="connsiteX1" fmla="*/ 386255 w 764384"/>
-                      <a:gd name="connsiteY1" fmla="*/ 67650 h 775940"/>
-                      <a:gd name="connsiteX2" fmla="*/ 764384 w 764384"/>
-                      <a:gd name="connsiteY2" fmla="*/ 0 h 775940"/>
-                      <a:gd name="connsiteX3" fmla="*/ 702656 w 764384"/>
-                      <a:gd name="connsiteY3" fmla="*/ 308950 h 775940"/>
-                      <a:gd name="connsiteX4" fmla="*/ 382193 w 764384"/>
-                      <a:gd name="connsiteY4" fmla="*/ 764382 h 775940"/>
-                      <a:gd name="connsiteX5" fmla="*/ 2 w 764384"/>
-                      <a:gd name="connsiteY5" fmla="*/ 382191 h 775940"/>
-                      <a:gd name="connsiteX0" fmla="*/ 2 w 764384"/>
-                      <a:gd name="connsiteY0" fmla="*/ 382191 h 765243"/>
-                      <a:gd name="connsiteX1" fmla="*/ 386255 w 764384"/>
-                      <a:gd name="connsiteY1" fmla="*/ 67650 h 765243"/>
-                      <a:gd name="connsiteX2" fmla="*/ 764384 w 764384"/>
-                      <a:gd name="connsiteY2" fmla="*/ 0 h 765243"/>
-                      <a:gd name="connsiteX3" fmla="*/ 653617 w 764384"/>
-                      <a:gd name="connsiteY3" fmla="*/ 271157 h 765243"/>
-                      <a:gd name="connsiteX4" fmla="*/ 382193 w 764384"/>
-                      <a:gd name="connsiteY4" fmla="*/ 764382 h 765243"/>
-                      <a:gd name="connsiteX5" fmla="*/ 2 w 764384"/>
-                      <a:gd name="connsiteY5" fmla="*/ 382191 h 765243"/>
-                      <a:gd name="connsiteX0" fmla="*/ 2 w 764384"/>
-                      <a:gd name="connsiteY0" fmla="*/ 382191 h 765243"/>
-                      <a:gd name="connsiteX1" fmla="*/ 386255 w 764384"/>
-                      <a:gd name="connsiteY1" fmla="*/ 67650 h 765243"/>
-                      <a:gd name="connsiteX2" fmla="*/ 764384 w 764384"/>
-                      <a:gd name="connsiteY2" fmla="*/ 0 h 765243"/>
-                      <a:gd name="connsiteX3" fmla="*/ 653617 w 764384"/>
-                      <a:gd name="connsiteY3" fmla="*/ 271157 h 765243"/>
-                      <a:gd name="connsiteX4" fmla="*/ 382193 w 764384"/>
-                      <a:gd name="connsiteY4" fmla="*/ 764382 h 765243"/>
-                      <a:gd name="connsiteX5" fmla="*/ 2 w 764384"/>
-                      <a:gd name="connsiteY5" fmla="*/ 382191 h 765243"/>
-                      <a:gd name="connsiteX0" fmla="*/ 2 w 764384"/>
-                      <a:gd name="connsiteY0" fmla="*/ 382191 h 764653"/>
-                      <a:gd name="connsiteX1" fmla="*/ 386255 w 764384"/>
-                      <a:gd name="connsiteY1" fmla="*/ 67650 h 764653"/>
-                      <a:gd name="connsiteX2" fmla="*/ 764384 w 764384"/>
-                      <a:gd name="connsiteY2" fmla="*/ 0 h 764653"/>
-                      <a:gd name="connsiteX3" fmla="*/ 684542 w 764384"/>
-                      <a:gd name="connsiteY3" fmla="*/ 321352 h 764653"/>
-                      <a:gd name="connsiteX4" fmla="*/ 382193 w 764384"/>
-                      <a:gd name="connsiteY4" fmla="*/ 764382 h 764653"/>
-                      <a:gd name="connsiteX5" fmla="*/ 2 w 764384"/>
-                      <a:gd name="connsiteY5" fmla="*/ 382191 h 764653"/>
-                      <a:gd name="connsiteX0" fmla="*/ 1 w 835654"/>
-                      <a:gd name="connsiteY0" fmla="*/ 464170 h 766262"/>
-                      <a:gd name="connsiteX1" fmla="*/ 457525 w 835654"/>
-                      <a:gd name="connsiteY1" fmla="*/ 67650 h 766262"/>
-                      <a:gd name="connsiteX2" fmla="*/ 835654 w 835654"/>
-                      <a:gd name="connsiteY2" fmla="*/ 0 h 766262"/>
-                      <a:gd name="connsiteX3" fmla="*/ 755812 w 835654"/>
-                      <a:gd name="connsiteY3" fmla="*/ 321352 h 766262"/>
-                      <a:gd name="connsiteX4" fmla="*/ 453463 w 835654"/>
-                      <a:gd name="connsiteY4" fmla="*/ 764382 h 766262"/>
-                      <a:gd name="connsiteX5" fmla="*/ 1 w 835654"/>
-                      <a:gd name="connsiteY5" fmla="*/ 464170 h 766262"/>
-                      <a:gd name="connsiteX0" fmla="*/ 204 w 835857"/>
-                      <a:gd name="connsiteY0" fmla="*/ 464170 h 794707"/>
-                      <a:gd name="connsiteX1" fmla="*/ 457728 w 835857"/>
-                      <a:gd name="connsiteY1" fmla="*/ 67650 h 794707"/>
-                      <a:gd name="connsiteX2" fmla="*/ 835857 w 835857"/>
-                      <a:gd name="connsiteY2" fmla="*/ 0 h 794707"/>
-                      <a:gd name="connsiteX3" fmla="*/ 756015 w 835857"/>
-                      <a:gd name="connsiteY3" fmla="*/ 321352 h 794707"/>
-                      <a:gd name="connsiteX4" fmla="*/ 404086 w 835857"/>
-                      <a:gd name="connsiteY4" fmla="*/ 793006 h 794707"/>
-                      <a:gd name="connsiteX5" fmla="*/ 204 w 835857"/>
-                      <a:gd name="connsiteY5" fmla="*/ 464170 h 794707"/>
-                      <a:gd name="connsiteX0" fmla="*/ 204 w 835857"/>
-                      <a:gd name="connsiteY0" fmla="*/ 464170 h 794707"/>
-                      <a:gd name="connsiteX1" fmla="*/ 457728 w 835857"/>
-                      <a:gd name="connsiteY1" fmla="*/ 67650 h 794707"/>
-                      <a:gd name="connsiteX2" fmla="*/ 835857 w 835857"/>
-                      <a:gd name="connsiteY2" fmla="*/ 0 h 794707"/>
-                      <a:gd name="connsiteX3" fmla="*/ 756015 w 835857"/>
-                      <a:gd name="connsiteY3" fmla="*/ 321352 h 794707"/>
-                      <a:gd name="connsiteX4" fmla="*/ 404086 w 835857"/>
-                      <a:gd name="connsiteY4" fmla="*/ 793006 h 794707"/>
-                      <a:gd name="connsiteX5" fmla="*/ 204 w 835857"/>
-                      <a:gd name="connsiteY5" fmla="*/ 464170 h 794707"/>
-                      <a:gd name="connsiteX0" fmla="*/ 204 w 835857"/>
-                      <a:gd name="connsiteY0" fmla="*/ 464170 h 794707"/>
-                      <a:gd name="connsiteX1" fmla="*/ 457728 w 835857"/>
-                      <a:gd name="connsiteY1" fmla="*/ 67650 h 794707"/>
-                      <a:gd name="connsiteX2" fmla="*/ 835857 w 835857"/>
-                      <a:gd name="connsiteY2" fmla="*/ 0 h 794707"/>
-                      <a:gd name="connsiteX3" fmla="*/ 756015 w 835857"/>
-                      <a:gd name="connsiteY3" fmla="*/ 321352 h 794707"/>
-                      <a:gd name="connsiteX4" fmla="*/ 404086 w 835857"/>
-                      <a:gd name="connsiteY4" fmla="*/ 793006 h 794707"/>
-                      <a:gd name="connsiteX5" fmla="*/ 204 w 835857"/>
-                      <a:gd name="connsiteY5" fmla="*/ 464170 h 794707"/>
-                      <a:gd name="connsiteX0" fmla="*/ 204 w 835857"/>
-                      <a:gd name="connsiteY0" fmla="*/ 464170 h 794707"/>
-                      <a:gd name="connsiteX1" fmla="*/ 457728 w 835857"/>
-                      <a:gd name="connsiteY1" fmla="*/ 67650 h 794707"/>
-                      <a:gd name="connsiteX2" fmla="*/ 835857 w 835857"/>
-                      <a:gd name="connsiteY2" fmla="*/ 0 h 794707"/>
-                      <a:gd name="connsiteX3" fmla="*/ 756015 w 835857"/>
-                      <a:gd name="connsiteY3" fmla="*/ 321352 h 794707"/>
-                      <a:gd name="connsiteX4" fmla="*/ 404086 w 835857"/>
-                      <a:gd name="connsiteY4" fmla="*/ 793006 h 794707"/>
-                      <a:gd name="connsiteX5" fmla="*/ 204 w 835857"/>
-                      <a:gd name="connsiteY5" fmla="*/ 464170 h 794707"/>
-                    </a:gdLst>
-                    <a:ahLst/>
-                    <a:cxnLst>
-                      <a:cxn ang="0">
-                        <a:pos x="connsiteX0" y="connsiteY0"/>
-                      </a:cxn>
-                      <a:cxn ang="0">
-                        <a:pos x="connsiteX1" y="connsiteY1"/>
-                      </a:cxn>
-                      <a:cxn ang="0">
-                        <a:pos x="connsiteX2" y="connsiteY2"/>
-                      </a:cxn>
-                      <a:cxn ang="0">
-                        <a:pos x="connsiteX3" y="connsiteY3"/>
-                      </a:cxn>
-                      <a:cxn ang="0">
-                        <a:pos x="connsiteX4" y="connsiteY4"/>
-                      </a:cxn>
-                      <a:cxn ang="0">
-                        <a:pos x="connsiteX5" y="connsiteY5"/>
-                      </a:cxn>
-                    </a:cxnLst>
-                    <a:rect l="l" t="t" r="r" b="b"/>
-                    <a:pathLst>
-                      <a:path w="835857" h="794707">
-                        <a:moveTo>
-                          <a:pt x="204" y="464170"/>
-                        </a:moveTo>
-                        <a:cubicBezTo>
-                          <a:pt x="9144" y="343277"/>
-                          <a:pt x="185241" y="112826"/>
-                          <a:pt x="457728" y="67650"/>
-                        </a:cubicBezTo>
-                        <a:lnTo>
-                          <a:pt x="835857" y="0"/>
-                        </a:lnTo>
-                        <a:cubicBezTo>
-                          <a:pt x="809243" y="107117"/>
-                          <a:pt x="803750" y="126214"/>
-                          <a:pt x="756015" y="321352"/>
-                        </a:cubicBezTo>
-                        <a:cubicBezTo>
-                          <a:pt x="674234" y="552424"/>
-                          <a:pt x="530055" y="769203"/>
-                          <a:pt x="404086" y="793006"/>
-                        </a:cubicBezTo>
-                        <a:cubicBezTo>
-                          <a:pt x="278117" y="816809"/>
-                          <a:pt x="-8736" y="585063"/>
-                          <a:pt x="204" y="464170"/>
-                        </a:cubicBezTo>
-                        <a:close/>
-                      </a:path>
-                    </a:pathLst>
-                  </a:custGeom>
-                  <a:grpFill/>
-                  <a:ln>
-                    <a:solidFill>
-                      <a:schemeClr val="bg1"/>
-                    </a:solidFill>
-                  </a:ln>
-                </p:spPr>
-                <p:style>
-                  <a:lnRef idx="2">
-                    <a:schemeClr val="accent1">
-                      <a:shade val="50000"/>
-                    </a:schemeClr>
-                  </a:lnRef>
-                  <a:fillRef idx="1">
-                    <a:schemeClr val="accent1"/>
-                  </a:fillRef>
-                  <a:effectRef idx="0">
-                    <a:schemeClr val="accent1"/>
-                  </a:effectRef>
-                  <a:fontRef idx="minor">
-                    <a:schemeClr val="lt1"/>
-                  </a:fontRef>
-                </p:style>
-                <p:txBody>
-                  <a:bodyPr rtlCol="0" anchor="ctr"/>
-                  <a:lstStyle/>
-                  <a:p>
-                    <a:pPr algn="ctr"/>
-                    <a:endParaRPr lang="ko-KR" altLang="en-US"/>
-                  </a:p>
-                </p:txBody>
-              </p:sp>
-              <p:sp>
-                <p:nvSpPr>
-                  <p:cNvPr id="20" name="눈물 방울 10"/>
-                  <p:cNvSpPr/>
-                  <p:nvPr/>
-                </p:nvSpPr>
-                <p:spPr>
-                  <a:xfrm rot="11756795">
-                    <a:off x="6451368" y="826056"/>
-                    <a:ext cx="835857" cy="794707"/>
-                  </a:xfrm>
-                  <a:custGeom>
-                    <a:avLst/>
-                    <a:gdLst>
-                      <a:gd name="connsiteX0" fmla="*/ 0 w 764382"/>
-                      <a:gd name="connsiteY0" fmla="*/ 382191 h 764382"/>
-                      <a:gd name="connsiteX1" fmla="*/ 382191 w 764382"/>
-                      <a:gd name="connsiteY1" fmla="*/ 0 h 764382"/>
-                      <a:gd name="connsiteX2" fmla="*/ 764382 w 764382"/>
-                      <a:gd name="connsiteY2" fmla="*/ 0 h 764382"/>
-                      <a:gd name="connsiteX3" fmla="*/ 764382 w 764382"/>
-                      <a:gd name="connsiteY3" fmla="*/ 382191 h 764382"/>
-                      <a:gd name="connsiteX4" fmla="*/ 382191 w 764382"/>
-                      <a:gd name="connsiteY4" fmla="*/ 764382 h 764382"/>
-                      <a:gd name="connsiteX5" fmla="*/ 0 w 764382"/>
-                      <a:gd name="connsiteY5" fmla="*/ 382191 h 764382"/>
-                      <a:gd name="connsiteX0" fmla="*/ 0 w 764382"/>
-                      <a:gd name="connsiteY0" fmla="*/ 382191 h 764382"/>
-                      <a:gd name="connsiteX1" fmla="*/ 383832 w 764382"/>
-                      <a:gd name="connsiteY1" fmla="*/ 39884 h 764382"/>
-                      <a:gd name="connsiteX2" fmla="*/ 764382 w 764382"/>
-                      <a:gd name="connsiteY2" fmla="*/ 0 h 764382"/>
-                      <a:gd name="connsiteX3" fmla="*/ 764382 w 764382"/>
-                      <a:gd name="connsiteY3" fmla="*/ 382191 h 764382"/>
-                      <a:gd name="connsiteX4" fmla="*/ 382191 w 764382"/>
-                      <a:gd name="connsiteY4" fmla="*/ 764382 h 764382"/>
-                      <a:gd name="connsiteX5" fmla="*/ 0 w 764382"/>
-                      <a:gd name="connsiteY5" fmla="*/ 382191 h 764382"/>
-                      <a:gd name="connsiteX0" fmla="*/ 0 w 764382"/>
-                      <a:gd name="connsiteY0" fmla="*/ 382191 h 764777"/>
-                      <a:gd name="connsiteX1" fmla="*/ 383832 w 764382"/>
-                      <a:gd name="connsiteY1" fmla="*/ 39884 h 764777"/>
-                      <a:gd name="connsiteX2" fmla="*/ 764382 w 764382"/>
-                      <a:gd name="connsiteY2" fmla="*/ 0 h 764777"/>
-                      <a:gd name="connsiteX3" fmla="*/ 702654 w 764382"/>
-                      <a:gd name="connsiteY3" fmla="*/ 308950 h 764777"/>
-                      <a:gd name="connsiteX4" fmla="*/ 382191 w 764382"/>
-                      <a:gd name="connsiteY4" fmla="*/ 764382 h 764777"/>
-                      <a:gd name="connsiteX5" fmla="*/ 0 w 764382"/>
-                      <a:gd name="connsiteY5" fmla="*/ 382191 h 764777"/>
-                      <a:gd name="connsiteX0" fmla="*/ 10926 w 775308"/>
-                      <a:gd name="connsiteY0" fmla="*/ 382191 h 764907"/>
-                      <a:gd name="connsiteX1" fmla="*/ 394758 w 775308"/>
-                      <a:gd name="connsiteY1" fmla="*/ 39884 h 764907"/>
-                      <a:gd name="connsiteX2" fmla="*/ 775308 w 775308"/>
-                      <a:gd name="connsiteY2" fmla="*/ 0 h 764907"/>
-                      <a:gd name="connsiteX3" fmla="*/ 713580 w 775308"/>
-                      <a:gd name="connsiteY3" fmla="*/ 308950 h 764907"/>
-                      <a:gd name="connsiteX4" fmla="*/ 393117 w 775308"/>
-                      <a:gd name="connsiteY4" fmla="*/ 764382 h 764907"/>
-                      <a:gd name="connsiteX5" fmla="*/ 10926 w 775308"/>
-                      <a:gd name="connsiteY5" fmla="*/ 382191 h 764907"/>
-                      <a:gd name="connsiteX0" fmla="*/ 6265 w 770647"/>
-                      <a:gd name="connsiteY0" fmla="*/ 382191 h 764940"/>
-                      <a:gd name="connsiteX1" fmla="*/ 390097 w 770647"/>
-                      <a:gd name="connsiteY1" fmla="*/ 39884 h 764940"/>
-                      <a:gd name="connsiteX2" fmla="*/ 770647 w 770647"/>
-                      <a:gd name="connsiteY2" fmla="*/ 0 h 764940"/>
-                      <a:gd name="connsiteX3" fmla="*/ 708919 w 770647"/>
-                      <a:gd name="connsiteY3" fmla="*/ 308950 h 764940"/>
-                      <a:gd name="connsiteX4" fmla="*/ 388456 w 770647"/>
-                      <a:gd name="connsiteY4" fmla="*/ 764382 h 764940"/>
-                      <a:gd name="connsiteX5" fmla="*/ 6265 w 770647"/>
-                      <a:gd name="connsiteY5" fmla="*/ 382191 h 764940"/>
-                      <a:gd name="connsiteX0" fmla="*/ 7560 w 771942"/>
-                      <a:gd name="connsiteY0" fmla="*/ 382191 h 778955"/>
-                      <a:gd name="connsiteX1" fmla="*/ 391392 w 771942"/>
-                      <a:gd name="connsiteY1" fmla="*/ 39884 h 778955"/>
-                      <a:gd name="connsiteX2" fmla="*/ 771942 w 771942"/>
-                      <a:gd name="connsiteY2" fmla="*/ 0 h 778955"/>
-                      <a:gd name="connsiteX3" fmla="*/ 710214 w 771942"/>
-                      <a:gd name="connsiteY3" fmla="*/ 308950 h 778955"/>
-                      <a:gd name="connsiteX4" fmla="*/ 389751 w 771942"/>
-                      <a:gd name="connsiteY4" fmla="*/ 764382 h 778955"/>
-                      <a:gd name="connsiteX5" fmla="*/ 7560 w 771942"/>
-                      <a:gd name="connsiteY5" fmla="*/ 382191 h 778955"/>
-                      <a:gd name="connsiteX0" fmla="*/ 25189 w 789571"/>
-                      <a:gd name="connsiteY0" fmla="*/ 382191 h 779411"/>
-                      <a:gd name="connsiteX1" fmla="*/ 409021 w 789571"/>
-                      <a:gd name="connsiteY1" fmla="*/ 39884 h 779411"/>
-                      <a:gd name="connsiteX2" fmla="*/ 789571 w 789571"/>
-                      <a:gd name="connsiteY2" fmla="*/ 0 h 779411"/>
-                      <a:gd name="connsiteX3" fmla="*/ 727843 w 789571"/>
-                      <a:gd name="connsiteY3" fmla="*/ 308950 h 779411"/>
-                      <a:gd name="connsiteX4" fmla="*/ 407380 w 789571"/>
-                      <a:gd name="connsiteY4" fmla="*/ 764382 h 779411"/>
-                      <a:gd name="connsiteX5" fmla="*/ 25189 w 789571"/>
-                      <a:gd name="connsiteY5" fmla="*/ 382191 h 779411"/>
-                      <a:gd name="connsiteX0" fmla="*/ 2 w 764384"/>
-                      <a:gd name="connsiteY0" fmla="*/ 382191 h 775940"/>
-                      <a:gd name="connsiteX1" fmla="*/ 386255 w 764384"/>
-                      <a:gd name="connsiteY1" fmla="*/ 67650 h 775940"/>
-                      <a:gd name="connsiteX2" fmla="*/ 764384 w 764384"/>
-                      <a:gd name="connsiteY2" fmla="*/ 0 h 775940"/>
-                      <a:gd name="connsiteX3" fmla="*/ 702656 w 764384"/>
-                      <a:gd name="connsiteY3" fmla="*/ 308950 h 775940"/>
-                      <a:gd name="connsiteX4" fmla="*/ 382193 w 764384"/>
-                      <a:gd name="connsiteY4" fmla="*/ 764382 h 775940"/>
-                      <a:gd name="connsiteX5" fmla="*/ 2 w 764384"/>
-                      <a:gd name="connsiteY5" fmla="*/ 382191 h 775940"/>
-                      <a:gd name="connsiteX0" fmla="*/ 2 w 764384"/>
-                      <a:gd name="connsiteY0" fmla="*/ 382191 h 775940"/>
-                      <a:gd name="connsiteX1" fmla="*/ 386255 w 764384"/>
-                      <a:gd name="connsiteY1" fmla="*/ 67650 h 775940"/>
-                      <a:gd name="connsiteX2" fmla="*/ 764384 w 764384"/>
-                      <a:gd name="connsiteY2" fmla="*/ 0 h 775940"/>
-                      <a:gd name="connsiteX3" fmla="*/ 702656 w 764384"/>
-                      <a:gd name="connsiteY3" fmla="*/ 308950 h 775940"/>
-                      <a:gd name="connsiteX4" fmla="*/ 382193 w 764384"/>
-                      <a:gd name="connsiteY4" fmla="*/ 764382 h 775940"/>
-                      <a:gd name="connsiteX5" fmla="*/ 2 w 764384"/>
-                      <a:gd name="connsiteY5" fmla="*/ 382191 h 775940"/>
-                      <a:gd name="connsiteX0" fmla="*/ 2 w 764384"/>
-                      <a:gd name="connsiteY0" fmla="*/ 382191 h 765243"/>
-                      <a:gd name="connsiteX1" fmla="*/ 386255 w 764384"/>
-                      <a:gd name="connsiteY1" fmla="*/ 67650 h 765243"/>
-                      <a:gd name="connsiteX2" fmla="*/ 764384 w 764384"/>
-                      <a:gd name="connsiteY2" fmla="*/ 0 h 765243"/>
-                      <a:gd name="connsiteX3" fmla="*/ 653617 w 764384"/>
-                      <a:gd name="connsiteY3" fmla="*/ 271157 h 765243"/>
-                      <a:gd name="connsiteX4" fmla="*/ 382193 w 764384"/>
-                      <a:gd name="connsiteY4" fmla="*/ 764382 h 765243"/>
-                      <a:gd name="connsiteX5" fmla="*/ 2 w 764384"/>
-                      <a:gd name="connsiteY5" fmla="*/ 382191 h 765243"/>
-                      <a:gd name="connsiteX0" fmla="*/ 2 w 764384"/>
-                      <a:gd name="connsiteY0" fmla="*/ 382191 h 765243"/>
-                      <a:gd name="connsiteX1" fmla="*/ 386255 w 764384"/>
-                      <a:gd name="connsiteY1" fmla="*/ 67650 h 765243"/>
-                      <a:gd name="connsiteX2" fmla="*/ 764384 w 764384"/>
-                      <a:gd name="connsiteY2" fmla="*/ 0 h 765243"/>
-                      <a:gd name="connsiteX3" fmla="*/ 653617 w 764384"/>
-                      <a:gd name="connsiteY3" fmla="*/ 271157 h 765243"/>
-                      <a:gd name="connsiteX4" fmla="*/ 382193 w 764384"/>
-                      <a:gd name="connsiteY4" fmla="*/ 764382 h 765243"/>
-                      <a:gd name="connsiteX5" fmla="*/ 2 w 764384"/>
-                      <a:gd name="connsiteY5" fmla="*/ 382191 h 765243"/>
-                      <a:gd name="connsiteX0" fmla="*/ 2 w 764384"/>
-                      <a:gd name="connsiteY0" fmla="*/ 382191 h 764653"/>
-                      <a:gd name="connsiteX1" fmla="*/ 386255 w 764384"/>
-                      <a:gd name="connsiteY1" fmla="*/ 67650 h 764653"/>
-                      <a:gd name="connsiteX2" fmla="*/ 764384 w 764384"/>
-                      <a:gd name="connsiteY2" fmla="*/ 0 h 764653"/>
-                      <a:gd name="connsiteX3" fmla="*/ 684542 w 764384"/>
-                      <a:gd name="connsiteY3" fmla="*/ 321352 h 764653"/>
-                      <a:gd name="connsiteX4" fmla="*/ 382193 w 764384"/>
-                      <a:gd name="connsiteY4" fmla="*/ 764382 h 764653"/>
-                      <a:gd name="connsiteX5" fmla="*/ 2 w 764384"/>
-                      <a:gd name="connsiteY5" fmla="*/ 382191 h 764653"/>
-                      <a:gd name="connsiteX0" fmla="*/ 1 w 835654"/>
-                      <a:gd name="connsiteY0" fmla="*/ 464170 h 766262"/>
-                      <a:gd name="connsiteX1" fmla="*/ 457525 w 835654"/>
-                      <a:gd name="connsiteY1" fmla="*/ 67650 h 766262"/>
-                      <a:gd name="connsiteX2" fmla="*/ 835654 w 835654"/>
-                      <a:gd name="connsiteY2" fmla="*/ 0 h 766262"/>
-                      <a:gd name="connsiteX3" fmla="*/ 755812 w 835654"/>
-                      <a:gd name="connsiteY3" fmla="*/ 321352 h 766262"/>
-                      <a:gd name="connsiteX4" fmla="*/ 453463 w 835654"/>
-                      <a:gd name="connsiteY4" fmla="*/ 764382 h 766262"/>
-                      <a:gd name="connsiteX5" fmla="*/ 1 w 835654"/>
-                      <a:gd name="connsiteY5" fmla="*/ 464170 h 766262"/>
-                      <a:gd name="connsiteX0" fmla="*/ 204 w 835857"/>
-                      <a:gd name="connsiteY0" fmla="*/ 464170 h 794707"/>
-                      <a:gd name="connsiteX1" fmla="*/ 457728 w 835857"/>
-                      <a:gd name="connsiteY1" fmla="*/ 67650 h 794707"/>
-                      <a:gd name="connsiteX2" fmla="*/ 835857 w 835857"/>
-                      <a:gd name="connsiteY2" fmla="*/ 0 h 794707"/>
-                      <a:gd name="connsiteX3" fmla="*/ 756015 w 835857"/>
-                      <a:gd name="connsiteY3" fmla="*/ 321352 h 794707"/>
-                      <a:gd name="connsiteX4" fmla="*/ 404086 w 835857"/>
-                      <a:gd name="connsiteY4" fmla="*/ 793006 h 794707"/>
-                      <a:gd name="connsiteX5" fmla="*/ 204 w 835857"/>
-                      <a:gd name="connsiteY5" fmla="*/ 464170 h 794707"/>
-                      <a:gd name="connsiteX0" fmla="*/ 204 w 835857"/>
-                      <a:gd name="connsiteY0" fmla="*/ 464170 h 794707"/>
-                      <a:gd name="connsiteX1" fmla="*/ 457728 w 835857"/>
-                      <a:gd name="connsiteY1" fmla="*/ 67650 h 794707"/>
-                      <a:gd name="connsiteX2" fmla="*/ 835857 w 835857"/>
-                      <a:gd name="connsiteY2" fmla="*/ 0 h 794707"/>
-                      <a:gd name="connsiteX3" fmla="*/ 756015 w 835857"/>
-                      <a:gd name="connsiteY3" fmla="*/ 321352 h 794707"/>
-                      <a:gd name="connsiteX4" fmla="*/ 404086 w 835857"/>
-                      <a:gd name="connsiteY4" fmla="*/ 793006 h 794707"/>
-                      <a:gd name="connsiteX5" fmla="*/ 204 w 835857"/>
-                      <a:gd name="connsiteY5" fmla="*/ 464170 h 794707"/>
-                      <a:gd name="connsiteX0" fmla="*/ 204 w 835857"/>
-                      <a:gd name="connsiteY0" fmla="*/ 464170 h 794707"/>
-                      <a:gd name="connsiteX1" fmla="*/ 457728 w 835857"/>
-                      <a:gd name="connsiteY1" fmla="*/ 67650 h 794707"/>
-                      <a:gd name="connsiteX2" fmla="*/ 835857 w 835857"/>
-                      <a:gd name="connsiteY2" fmla="*/ 0 h 794707"/>
-                      <a:gd name="connsiteX3" fmla="*/ 756015 w 835857"/>
-                      <a:gd name="connsiteY3" fmla="*/ 321352 h 794707"/>
-                      <a:gd name="connsiteX4" fmla="*/ 404086 w 835857"/>
-                      <a:gd name="connsiteY4" fmla="*/ 793006 h 794707"/>
-                      <a:gd name="connsiteX5" fmla="*/ 204 w 835857"/>
-                      <a:gd name="connsiteY5" fmla="*/ 464170 h 794707"/>
-                      <a:gd name="connsiteX0" fmla="*/ 204 w 835857"/>
-                      <a:gd name="connsiteY0" fmla="*/ 464170 h 794707"/>
-                      <a:gd name="connsiteX1" fmla="*/ 457728 w 835857"/>
-                      <a:gd name="connsiteY1" fmla="*/ 67650 h 794707"/>
-                      <a:gd name="connsiteX2" fmla="*/ 835857 w 835857"/>
-                      <a:gd name="connsiteY2" fmla="*/ 0 h 794707"/>
-                      <a:gd name="connsiteX3" fmla="*/ 756015 w 835857"/>
-                      <a:gd name="connsiteY3" fmla="*/ 321352 h 794707"/>
-                      <a:gd name="connsiteX4" fmla="*/ 404086 w 835857"/>
-                      <a:gd name="connsiteY4" fmla="*/ 793006 h 794707"/>
-                      <a:gd name="connsiteX5" fmla="*/ 204 w 835857"/>
-                      <a:gd name="connsiteY5" fmla="*/ 464170 h 794707"/>
-                    </a:gdLst>
-                    <a:ahLst/>
-                    <a:cxnLst>
-                      <a:cxn ang="0">
-                        <a:pos x="connsiteX0" y="connsiteY0"/>
-                      </a:cxn>
-                      <a:cxn ang="0">
-                        <a:pos x="connsiteX1" y="connsiteY1"/>
-                      </a:cxn>
-                      <a:cxn ang="0">
-                        <a:pos x="connsiteX2" y="connsiteY2"/>
-                      </a:cxn>
-                      <a:cxn ang="0">
-                        <a:pos x="connsiteX3" y="connsiteY3"/>
-                      </a:cxn>
-                      <a:cxn ang="0">
-                        <a:pos x="connsiteX4" y="connsiteY4"/>
-                      </a:cxn>
-                      <a:cxn ang="0">
-                        <a:pos x="connsiteX5" y="connsiteY5"/>
-                      </a:cxn>
-                    </a:cxnLst>
-                    <a:rect l="l" t="t" r="r" b="b"/>
-                    <a:pathLst>
-                      <a:path w="835857" h="794707">
-                        <a:moveTo>
-                          <a:pt x="204" y="464170"/>
-                        </a:moveTo>
-                        <a:cubicBezTo>
-                          <a:pt x="9144" y="343277"/>
-                          <a:pt x="185241" y="112826"/>
-                          <a:pt x="457728" y="67650"/>
-                        </a:cubicBezTo>
-                        <a:lnTo>
-                          <a:pt x="835857" y="0"/>
-                        </a:lnTo>
-                        <a:cubicBezTo>
-                          <a:pt x="809243" y="107117"/>
-                          <a:pt x="803750" y="126214"/>
-                          <a:pt x="756015" y="321352"/>
-                        </a:cubicBezTo>
-                        <a:cubicBezTo>
-                          <a:pt x="674234" y="552424"/>
-                          <a:pt x="530055" y="769203"/>
-                          <a:pt x="404086" y="793006"/>
-                        </a:cubicBezTo>
-                        <a:cubicBezTo>
-                          <a:pt x="278117" y="816809"/>
-                          <a:pt x="-8736" y="585063"/>
-                          <a:pt x="204" y="464170"/>
-                        </a:cubicBezTo>
-                        <a:close/>
-                      </a:path>
-                    </a:pathLst>
-                  </a:custGeom>
-                  <a:grpFill/>
-                  <a:ln>
-                    <a:solidFill>
-                      <a:schemeClr val="bg1"/>
-                    </a:solidFill>
-                  </a:ln>
-                </p:spPr>
-                <p:style>
-                  <a:lnRef idx="2">
-                    <a:schemeClr val="accent1">
-                      <a:shade val="50000"/>
-                    </a:schemeClr>
-                  </a:lnRef>
-                  <a:fillRef idx="1">
-                    <a:schemeClr val="accent1"/>
-                  </a:fillRef>
-                  <a:effectRef idx="0">
-                    <a:schemeClr val="accent1"/>
-                  </a:effectRef>
-                  <a:fontRef idx="minor">
-                    <a:schemeClr val="lt1"/>
-                  </a:fontRef>
-                </p:style>
-                <p:txBody>
-                  <a:bodyPr rtlCol="0" anchor="ctr"/>
-                  <a:lstStyle/>
-                  <a:p>
-                    <a:pPr algn="ctr"/>
-                    <a:endParaRPr lang="ko-KR" altLang="en-US"/>
-                  </a:p>
-                </p:txBody>
-              </p:sp>
-            </p:grpSp>
-          </p:grpSp>
-          <p:pic>
-            <p:nvPicPr>
-              <p:cNvPr id="12" name="Picture 6" descr="C:\Users\h\Desktop\takamatsu-wi-fi-guide-800x445.png"/>
-              <p:cNvPicPr>
-                <a:picLocks noChangeAspect="1" noChangeArrowheads="1"/>
-              </p:cNvPicPr>
-              <p:nvPr/>
-            </p:nvPicPr>
-            <p:blipFill>
-              <a:blip r:embed="rId13" cstate="print">
-                <a:extLst>
-                  <a:ext uri="{28A0092B-C50C-407E-A947-70E740481C1C}">
-                    <a14:useLocalDpi xmlns:a14="http://schemas.microsoft.com/office/drawing/2010/main" xmlns="" val="0"/>
-                  </a:ext>
-                </a:extLst>
-              </a:blip>
-              <a:srcRect/>
-              <a:stretch>
-                <a:fillRect/>
-              </a:stretch>
-            </p:blipFill>
-            <p:spPr bwMode="auto">
-              <a:xfrm>
-                <a:off x="5412666" y="1653731"/>
-                <a:ext cx="2328089" cy="1745425"/>
-              </a:xfrm>
-              <a:prstGeom prst="rect">
-                <a:avLst/>
-              </a:prstGeom>
-              <a:noFill/>
-              <a:extLst>
-                <a:ext uri="{909E8E84-426E-40DD-AFC4-6F175D3DCCD1}">
-                  <a14:hiddenFill xmlns:a14="http://schemas.microsoft.com/office/drawing/2010/main" xmlns="">
-                    <a:solidFill>
-                      <a:srgbClr val="FFFFFF"/>
-                    </a:solidFill>
-                  </a14:hiddenFill>
-                </a:ext>
-              </a:extLst>
-            </p:spPr>
-          </p:pic>
-        </p:grpSp>
-        <p:pic>
-          <p:nvPicPr>
-            <p:cNvPr id="10" name="Picture 2" descr="C:\Users\h\Desktop\cocktail_text.PNG"/>
-            <p:cNvPicPr>
-              <a:picLocks noChangeAspect="1" noChangeArrowheads="1"/>
-            </p:cNvPicPr>
-            <p:nvPr/>
-          </p:nvPicPr>
-          <p:blipFill>
-            <a:blip r:embed="rId14" cstate="print">
-              <a:extLst>
-                <a:ext uri="{28A0092B-C50C-407E-A947-70E740481C1C}">
-                  <a14:useLocalDpi xmlns:a14="http://schemas.microsoft.com/office/drawing/2010/main" xmlns="" val="0"/>
-                </a:ext>
-              </a:extLst>
-            </a:blip>
-            <a:srcRect/>
-            <a:stretch>
-              <a:fillRect/>
-            </a:stretch>
-          </p:blipFill>
-          <p:spPr bwMode="auto">
-            <a:xfrm>
-              <a:off x="2047875" y="2890838"/>
-              <a:ext cx="5048250" cy="1076325"/>
-            </a:xfrm>
-            <a:prstGeom prst="rect">
-              <a:avLst/>
-            </a:prstGeom>
-            <a:noFill/>
-            <a:extLst>
-              <a:ext uri="{909E8E84-426E-40DD-AFC4-6F175D3DCCD1}">
-                <a14:hiddenFill xmlns:a14="http://schemas.microsoft.com/office/drawing/2010/main" xmlns="">
-                  <a:solidFill>
-                    <a:srgbClr val="FFFFFF"/>
-                  </a:solidFill>
-                </a14:hiddenFill>
-              </a:ext>
-            </a:extLst>
-          </p:spPr>
-        </p:pic>
-      </p:grpSp>
       <p:sp>
         <p:nvSpPr>
           <p:cNvPr id="21" name="바닥글 개체 틀 4"/>
@@ -5711,7 +3645,7 @@
             <a:r>
               <a:rPr lang="en-US" altLang="ko-KR" sz="8000" dirty="0" smtClean="0">
                 <a:solidFill>
-                  <a:srgbClr val="A2DEFF"/>
+                  <a:srgbClr val="0070C0"/>
                 </a:solidFill>
                 <a:latin typeface="Cooper Black" pitchFamily="18" charset="0"/>
               </a:rPr>
@@ -5719,7 +3653,7 @@
             </a:r>
             <a:endParaRPr lang="ko-KR" altLang="en-US" sz="8000" dirty="0">
               <a:solidFill>
-                <a:srgbClr val="A2DEFF"/>
+                <a:srgbClr val="0070C0"/>
               </a:solidFill>
               <a:latin typeface="Cooper Black" pitchFamily="18" charset="0"/>
             </a:endParaRPr>
@@ -5861,7 +3795,7 @@
                   <a:noFill/>
                 </a:ln>
                 <a:solidFill>
-                  <a:srgbClr val="A2DEFF"/>
+                  <a:srgbClr val="0070C0"/>
                 </a:solidFill>
                 <a:effectLst/>
                 <a:uLnTx/>
@@ -5878,7 +3812,7 @@
                   <a:noFill/>
                 </a:ln>
                 <a:solidFill>
-                  <a:srgbClr val="A2DEFF"/>
+                  <a:srgbClr val="0070C0"/>
                 </a:solidFill>
                 <a:effectLst/>
                 <a:uLnTx/>
@@ -5894,7 +3828,7 @@
                 <a:noFill/>
               </a:ln>
               <a:solidFill>
-                <a:srgbClr val="A2DEFF"/>
+                <a:srgbClr val="0070C0"/>
               </a:solidFill>
               <a:effectLst/>
               <a:uLnTx/>
@@ -5928,7 +3862,7 @@
                   <a:noFill/>
                 </a:ln>
                 <a:solidFill>
-                  <a:srgbClr val="A2DEFF"/>
+                  <a:srgbClr val="0070C0"/>
                 </a:solidFill>
                 <a:effectLst/>
                 <a:uLnTx/>
@@ -5984,7 +3918,7 @@
             <a:r>
               <a:rPr lang="ko-KR" altLang="en-US" sz="3600" dirty="0" smtClean="0">
                 <a:solidFill>
-                  <a:srgbClr val="A2DEFF"/>
+                  <a:srgbClr val="0070C0"/>
                 </a:solidFill>
                 <a:latin typeface="HY동녘B" pitchFamily="18" charset="-127"/>
                 <a:ea typeface="HY동녘B" pitchFamily="18" charset="-127"/>
@@ -5994,7 +3928,7 @@
             <a:r>
               <a:rPr lang="en-US" altLang="ko-KR" sz="3600" dirty="0" smtClean="0">
                 <a:solidFill>
-                  <a:srgbClr val="A2DEFF"/>
+                  <a:srgbClr val="0070C0"/>
                 </a:solidFill>
                 <a:latin typeface="HY동녘B" pitchFamily="18" charset="-127"/>
                 <a:ea typeface="HY동녘B" pitchFamily="18" charset="-127"/>
@@ -6004,7 +3938,7 @@
             <a:r>
               <a:rPr lang="ko-KR" altLang="en-US" sz="3600" dirty="0" smtClean="0">
                 <a:solidFill>
-                  <a:srgbClr val="A2DEFF"/>
+                  <a:srgbClr val="0070C0"/>
                 </a:solidFill>
                 <a:latin typeface="HY동녘B" pitchFamily="18" charset="-127"/>
                 <a:ea typeface="HY동녘B" pitchFamily="18" charset="-127"/>
@@ -6836,7 +4770,7 @@
             <a:r>
               <a:rPr lang="en-US" altLang="ko-KR" sz="4800" dirty="0" smtClean="0">
                 <a:solidFill>
-                  <a:srgbClr val="A2DEFF"/>
+                  <a:srgbClr val="0070C0"/>
                 </a:solidFill>
                 <a:latin typeface="Cooper Black" pitchFamily="18" charset="0"/>
               </a:rPr>
@@ -6844,7 +4778,7 @@
             </a:r>
             <a:endParaRPr lang="ko-KR" altLang="en-US" sz="4800" dirty="0">
               <a:solidFill>
-                <a:srgbClr val="A2DEFF"/>
+                <a:srgbClr val="0070C0"/>
               </a:solidFill>
               <a:latin typeface="Cooper Black" pitchFamily="18" charset="0"/>
             </a:endParaRPr>
@@ -6879,7 +4813,7 @@
             <a:r>
               <a:rPr lang="en-US" altLang="ko-KR" sz="2400" b="1" dirty="0" smtClean="0">
                 <a:solidFill>
-                  <a:srgbClr val="A2DEFF"/>
+                  <a:srgbClr val="0070C0"/>
                 </a:solidFill>
               </a:rPr>
               <a:t>Cocktail </a:t>
@@ -6887,14 +4821,14 @@
             <a:r>
               <a:rPr lang="ko-KR" altLang="en-US" sz="2400" b="1" dirty="0" smtClean="0">
                 <a:solidFill>
-                  <a:srgbClr val="A2DEFF"/>
+                  <a:srgbClr val="0070C0"/>
                 </a:solidFill>
               </a:rPr>
               <a:t>개요</a:t>
             </a:r>
             <a:endParaRPr lang="en-US" altLang="ko-KR" sz="2400" b="1" dirty="0" smtClean="0">
               <a:solidFill>
-                <a:srgbClr val="A2DEFF"/>
+                <a:srgbClr val="0070C0"/>
               </a:solidFill>
             </a:endParaRPr>
           </a:p>
@@ -6904,7 +4838,7 @@
             </a:pPr>
             <a:endParaRPr lang="en-US" altLang="ko-KR" sz="2400" b="1" baseline="0" dirty="0" smtClean="0">
               <a:solidFill>
-                <a:srgbClr val="A2DEFF"/>
+                <a:srgbClr val="0070C0"/>
               </a:solidFill>
             </a:endParaRPr>
           </a:p>
@@ -6912,7 +4846,7 @@
             <a:r>
               <a:rPr lang="en-US" altLang="ko-KR" sz="2400" b="1" dirty="0" smtClean="0">
                 <a:solidFill>
-                  <a:srgbClr val="A2DEFF"/>
+                  <a:srgbClr val="0070C0"/>
                 </a:solidFill>
               </a:rPr>
               <a:t>2.  </a:t>
@@ -6920,21 +4854,21 @@
             <a:r>
               <a:rPr lang="ko-KR" altLang="en-US" sz="2400" b="1" baseline="0" dirty="0" smtClean="0">
                 <a:solidFill>
-                  <a:srgbClr val="A2DEFF"/>
+                  <a:srgbClr val="0070C0"/>
                 </a:solidFill>
               </a:rPr>
               <a:t>사용 장소 및 사용 기능</a:t>
             </a:r>
             <a:endParaRPr lang="en-US" altLang="ko-KR" sz="2400" b="1" baseline="0" dirty="0" smtClean="0">
               <a:solidFill>
-                <a:srgbClr val="A2DEFF"/>
+                <a:srgbClr val="0070C0"/>
               </a:solidFill>
             </a:endParaRPr>
           </a:p>
           <a:p>
             <a:endParaRPr lang="en-US" altLang="ko-KR" sz="2400" b="1" baseline="0" dirty="0" smtClean="0">
               <a:solidFill>
-                <a:srgbClr val="A2DEFF"/>
+                <a:srgbClr val="0070C0"/>
               </a:solidFill>
             </a:endParaRPr>
           </a:p>
@@ -6942,7 +4876,7 @@
             <a:r>
               <a:rPr lang="en-US" altLang="ko-KR" sz="2400" b="1" dirty="0" smtClean="0">
                 <a:solidFill>
-                  <a:srgbClr val="A2DEFF"/>
+                  <a:srgbClr val="0070C0"/>
                 </a:solidFill>
               </a:rPr>
               <a:t>3.  </a:t>
@@ -6950,14 +4884,14 @@
             <a:r>
               <a:rPr lang="en-US" altLang="ko-KR" sz="2400" b="1" baseline="0" dirty="0" smtClean="0">
                 <a:solidFill>
-                  <a:srgbClr val="A2DEFF"/>
+                  <a:srgbClr val="0070C0"/>
                 </a:solidFill>
               </a:rPr>
               <a:t>UI DESIGN</a:t>
             </a:r>
             <a:endParaRPr lang="en-US" altLang="ko-KR" sz="2400" b="1" dirty="0" smtClean="0">
               <a:solidFill>
-                <a:srgbClr val="A2DEFF"/>
+                <a:srgbClr val="0070C0"/>
               </a:solidFill>
             </a:endParaRPr>
           </a:p>
@@ -10506,8 +8440,8 @@
         </p:blipFill>
         <p:spPr bwMode="auto">
           <a:xfrm>
-            <a:off x="395536" y="1556792"/>
-            <a:ext cx="6192688" cy="4536503"/>
+            <a:off x="1907704" y="1556792"/>
+            <a:ext cx="3888432" cy="4536503"/>
           </a:xfrm>
           <a:prstGeom prst="rect">
             <a:avLst/>
@@ -10646,13 +8580,6 @@
                         </a:rPr>
                         <a:t>)</a:t>
                       </a:r>
-                      <a:endParaRPr lang="en-US" altLang="ko-KR" sz="2800" b="1" dirty="0" smtClean="0">
-                        <a:solidFill>
-                          <a:srgbClr val="A2DEFF"/>
-                        </a:solidFill>
-                        <a:latin typeface="HY동녘B" pitchFamily="18" charset="-127"/>
-                        <a:ea typeface="HY동녘B" pitchFamily="18" charset="-127"/>
-                      </a:endParaRPr>
                     </a:p>
                   </a:txBody>
                   <a:tcPr/>
@@ -11283,8 +9210,8 @@
         </p:blipFill>
         <p:spPr bwMode="auto">
           <a:xfrm>
-            <a:off x="1043608" y="1628800"/>
-            <a:ext cx="5112568" cy="4603973"/>
+            <a:off x="2051720" y="1628800"/>
+            <a:ext cx="3672408" cy="4603973"/>
           </a:xfrm>
           <a:prstGeom prst="rect">
             <a:avLst/>
@@ -11423,13 +9350,6 @@
                         </a:rPr>
                         <a:t>)</a:t>
                       </a:r>
-                      <a:endParaRPr lang="en-US" altLang="ko-KR" sz="2800" b="1" dirty="0" smtClean="0">
-                        <a:solidFill>
-                          <a:srgbClr val="A2DEFF"/>
-                        </a:solidFill>
-                        <a:latin typeface="HY동녘B" pitchFamily="18" charset="-127"/>
-                        <a:ea typeface="HY동녘B" pitchFamily="18" charset="-127"/>
-                      </a:endParaRPr>
                     </a:p>
                   </a:txBody>
                   <a:tcPr/>
@@ -12738,8 +10658,8 @@
         </p:blipFill>
         <p:spPr bwMode="auto">
           <a:xfrm>
-            <a:off x="395536" y="1556792"/>
-            <a:ext cx="6192688" cy="4574133"/>
+            <a:off x="1547664" y="1556792"/>
+            <a:ext cx="4176464" cy="4574133"/>
           </a:xfrm>
           <a:prstGeom prst="rect">
             <a:avLst/>
